--- a/domingue-igss2015-presentation.pptx
+++ b/domingue-igss2015-presentation.pptx
@@ -5,7 +5,7 @@
     <p:sldMasterId id="2147483648" r:id="rId1"/>
   </p:sldMasterIdLst>
   <p:notesMasterIdLst>
-    <p:notesMasterId r:id="rId60"/>
+    <p:notesMasterId r:id="rId61"/>
   </p:notesMasterIdLst>
   <p:sldIdLst>
     <p:sldId id="270" r:id="rId2"/>
@@ -40,32 +40,33 @@
     <p:sldId id="298" r:id="rId31"/>
     <p:sldId id="291" r:id="rId32"/>
     <p:sldId id="312" r:id="rId33"/>
-    <p:sldId id="305" r:id="rId34"/>
-    <p:sldId id="311" r:id="rId35"/>
-    <p:sldId id="309" r:id="rId36"/>
-    <p:sldId id="306" r:id="rId37"/>
-    <p:sldId id="307" r:id="rId38"/>
-    <p:sldId id="310" r:id="rId39"/>
-    <p:sldId id="313" r:id="rId40"/>
-    <p:sldId id="292" r:id="rId41"/>
-    <p:sldId id="314" r:id="rId42"/>
-    <p:sldId id="316" r:id="rId43"/>
-    <p:sldId id="324" r:id="rId44"/>
-    <p:sldId id="326" r:id="rId45"/>
-    <p:sldId id="315" r:id="rId46"/>
-    <p:sldId id="317" r:id="rId47"/>
-    <p:sldId id="327" r:id="rId48"/>
-    <p:sldId id="318" r:id="rId49"/>
-    <p:sldId id="319" r:id="rId50"/>
-    <p:sldId id="320" r:id="rId51"/>
-    <p:sldId id="325" r:id="rId52"/>
-    <p:sldId id="321" r:id="rId53"/>
-    <p:sldId id="322" r:id="rId54"/>
-    <p:sldId id="286" r:id="rId55"/>
-    <p:sldId id="287" r:id="rId56"/>
-    <p:sldId id="288" r:id="rId57"/>
-    <p:sldId id="294" r:id="rId58"/>
-    <p:sldId id="303" r:id="rId59"/>
+    <p:sldId id="333" r:id="rId34"/>
+    <p:sldId id="305" r:id="rId35"/>
+    <p:sldId id="311" r:id="rId36"/>
+    <p:sldId id="309" r:id="rId37"/>
+    <p:sldId id="306" r:id="rId38"/>
+    <p:sldId id="307" r:id="rId39"/>
+    <p:sldId id="310" r:id="rId40"/>
+    <p:sldId id="313" r:id="rId41"/>
+    <p:sldId id="292" r:id="rId42"/>
+    <p:sldId id="314" r:id="rId43"/>
+    <p:sldId id="316" r:id="rId44"/>
+    <p:sldId id="324" r:id="rId45"/>
+    <p:sldId id="326" r:id="rId46"/>
+    <p:sldId id="315" r:id="rId47"/>
+    <p:sldId id="317" r:id="rId48"/>
+    <p:sldId id="327" r:id="rId49"/>
+    <p:sldId id="318" r:id="rId50"/>
+    <p:sldId id="319" r:id="rId51"/>
+    <p:sldId id="320" r:id="rId52"/>
+    <p:sldId id="325" r:id="rId53"/>
+    <p:sldId id="321" r:id="rId54"/>
+    <p:sldId id="322" r:id="rId55"/>
+    <p:sldId id="286" r:id="rId56"/>
+    <p:sldId id="287" r:id="rId57"/>
+    <p:sldId id="288" r:id="rId58"/>
+    <p:sldId id="294" r:id="rId59"/>
+    <p:sldId id="303" r:id="rId60"/>
   </p:sldIdLst>
   <p:sldSz cx="9144000" cy="6858000" type="screen4x3"/>
   <p:notesSz cx="6858000" cy="9144000"/>
@@ -257,7 +258,7 @@
             <a:fld id="{9C0CCC27-1E7F-484C-8AB6-B20001086278}" type="datetimeFigureOut">
               <a:rPr lang="en-US" smtClean="0"/>
               <a:pPr/>
-              <a:t>10/20/2015</a:t>
+              <a:t>10/21/2015</a:t>
             </a:fld>
             <a:endParaRPr lang="en-US"/>
           </a:p>
@@ -426,7 +427,7 @@
     </p:spTree>
     <p:extLst>
       <p:ext uri="{BB962C8B-B14F-4D97-AF65-F5344CB8AC3E}">
-        <p14:creationId xmlns="" xmlns:p14="http://schemas.microsoft.com/office/powerpoint/2010/main" val="1591574563"/>
+        <p14:creationId xmlns:p14="http://schemas.microsoft.com/office/powerpoint/2010/main" xmlns="" val="1591574563"/>
       </p:ext>
     </p:extLst>
   </p:cSld>
@@ -790,7 +791,7 @@
             <a:fld id="{1D8BD707-D9CF-40AE-B4C6-C98DA3205C09}" type="datetimeFigureOut">
               <a:rPr lang="en-US" smtClean="0"/>
               <a:pPr/>
-              <a:t>10/20/2015</a:t>
+              <a:t>10/21/2015</a:t>
             </a:fld>
             <a:endParaRPr lang="en-US"/>
           </a:p>
@@ -965,7 +966,7 @@
             <a:fld id="{1D8BD707-D9CF-40AE-B4C6-C98DA3205C09}" type="datetimeFigureOut">
               <a:rPr lang="en-US" smtClean="0"/>
               <a:pPr/>
-              <a:t>10/20/2015</a:t>
+              <a:t>10/21/2015</a:t>
             </a:fld>
             <a:endParaRPr lang="en-US"/>
           </a:p>
@@ -1143,7 +1144,7 @@
             <a:fld id="{1D8BD707-D9CF-40AE-B4C6-C98DA3205C09}" type="datetimeFigureOut">
               <a:rPr lang="en-US" smtClean="0"/>
               <a:pPr/>
-              <a:t>10/20/2015</a:t>
+              <a:t>10/21/2015</a:t>
             </a:fld>
             <a:endParaRPr lang="en-US"/>
           </a:p>
@@ -1244,7 +1245,7 @@
           <a:blip r:embed="rId3" cstate="print">
             <a:extLst>
               <a:ext uri="{BEBA8EAE-BF5A-486C-A8C5-ECC9F3942E4B}">
-                <a14:imgProps xmlns="" xmlns:a14="http://schemas.microsoft.com/office/drawing/2010/main">
+                <a14:imgProps xmlns:a14="http://schemas.microsoft.com/office/drawing/2010/main" xmlns="">
                   <a14:imgLayer r:embed="rId4">
                     <a14:imgEffect>
                       <a14:brightnessContrast bright="40000"/>
@@ -1253,7 +1254,7 @@
                 </a14:imgProps>
               </a:ext>
               <a:ext uri="{28A0092B-C50C-407E-A947-70E740481C1C}">
-                <a14:useLocalDpi xmlns="" xmlns:a14="http://schemas.microsoft.com/office/drawing/2010/main" val="0"/>
+                <a14:useLocalDpi xmlns:a14="http://schemas.microsoft.com/office/drawing/2010/main" xmlns="" val="0"/>
               </a:ext>
             </a:extLst>
           </a:blip>
@@ -1447,7 +1448,7 @@
     </p:spTree>
     <p:extLst>
       <p:ext uri="{BB962C8B-B14F-4D97-AF65-F5344CB8AC3E}">
-        <p14:creationId xmlns="" xmlns:p14="http://schemas.microsoft.com/office/powerpoint/2010/main" val="109572920"/>
+        <p14:creationId xmlns:p14="http://schemas.microsoft.com/office/powerpoint/2010/main" xmlns="" val="109572920"/>
       </p:ext>
     </p:extLst>
   </p:cSld>
@@ -1779,7 +1780,7 @@
             <a:fld id="{1D8BD707-D9CF-40AE-B4C6-C98DA3205C09}" type="datetimeFigureOut">
               <a:rPr lang="en-US" smtClean="0"/>
               <a:pPr/>
-              <a:t>10/20/2015</a:t>
+              <a:t>10/21/2015</a:t>
             </a:fld>
             <a:endParaRPr lang="en-US"/>
           </a:p>
@@ -2023,7 +2024,7 @@
             <a:fld id="{1D8BD707-D9CF-40AE-B4C6-C98DA3205C09}" type="datetimeFigureOut">
               <a:rPr lang="en-US" smtClean="0"/>
               <a:pPr/>
-              <a:t>10/20/2015</a:t>
+              <a:t>10/21/2015</a:t>
             </a:fld>
             <a:endParaRPr lang="en-US"/>
           </a:p>
@@ -2309,7 +2310,7 @@
             <a:fld id="{1D8BD707-D9CF-40AE-B4C6-C98DA3205C09}" type="datetimeFigureOut">
               <a:rPr lang="en-US" smtClean="0"/>
               <a:pPr/>
-              <a:t>10/20/2015</a:t>
+              <a:t>10/21/2015</a:t>
             </a:fld>
             <a:endParaRPr lang="en-US"/>
           </a:p>
@@ -2729,7 +2730,7 @@
             <a:fld id="{1D8BD707-D9CF-40AE-B4C6-C98DA3205C09}" type="datetimeFigureOut">
               <a:rPr lang="en-US" smtClean="0"/>
               <a:pPr/>
-              <a:t>10/20/2015</a:t>
+              <a:t>10/21/2015</a:t>
             </a:fld>
             <a:endParaRPr lang="en-US"/>
           </a:p>
@@ -2852,7 +2853,7 @@
             <a:fld id="{1D8BD707-D9CF-40AE-B4C6-C98DA3205C09}" type="datetimeFigureOut">
               <a:rPr lang="en-US" smtClean="0"/>
               <a:pPr/>
-              <a:t>10/20/2015</a:t>
+              <a:t>10/21/2015</a:t>
             </a:fld>
             <a:endParaRPr lang="en-US"/>
           </a:p>
@@ -2945,7 +2946,7 @@
             <a:fld id="{1D8BD707-D9CF-40AE-B4C6-C98DA3205C09}" type="datetimeFigureOut">
               <a:rPr lang="en-US" smtClean="0"/>
               <a:pPr/>
-              <a:t>10/20/2015</a:t>
+              <a:t>10/21/2015</a:t>
             </a:fld>
             <a:endParaRPr lang="en-US"/>
           </a:p>
@@ -3220,7 +3221,7 @@
             <a:fld id="{1D8BD707-D9CF-40AE-B4C6-C98DA3205C09}" type="datetimeFigureOut">
               <a:rPr lang="en-US" smtClean="0"/>
               <a:pPr/>
-              <a:t>10/20/2015</a:t>
+              <a:t>10/21/2015</a:t>
             </a:fld>
             <a:endParaRPr lang="en-US"/>
           </a:p>
@@ -3478,7 +3479,7 @@
             <a:fld id="{1D8BD707-D9CF-40AE-B4C6-C98DA3205C09}" type="datetimeFigureOut">
               <a:rPr lang="en-US" smtClean="0"/>
               <a:pPr/>
-              <a:t>10/20/2015</a:t>
+              <a:t>10/21/2015</a:t>
             </a:fld>
             <a:endParaRPr lang="en-US"/>
           </a:p>
@@ -3689,7 +3690,7 @@
             <a:fld id="{1D8BD707-D9CF-40AE-B4C6-C98DA3205C09}" type="datetimeFigureOut">
               <a:rPr lang="en-US" smtClean="0"/>
               <a:pPr/>
-              <a:t>10/20/2015</a:t>
+              <a:t>10/21/2015</a:t>
             </a:fld>
             <a:endParaRPr lang="en-US"/>
           </a:p>
@@ -4200,7 +4201,7 @@
     </p:spTree>
     <p:extLst>
       <p:ext uri="{BB962C8B-B14F-4D97-AF65-F5344CB8AC3E}">
-        <p14:creationId xmlns="" xmlns:p14="http://schemas.microsoft.com/office/powerpoint/2010/main" val="4203883574"/>
+        <p14:creationId xmlns:p14="http://schemas.microsoft.com/office/powerpoint/2010/main" xmlns="" val="4203883574"/>
       </p:ext>
     </p:extLst>
   </p:cSld>
@@ -4297,7 +4298,7 @@
           <a:blip r:embed="rId2" cstate="print">
             <a:extLst>
               <a:ext uri="{28A0092B-C50C-407E-A947-70E740481C1C}">
-                <a14:useLocalDpi xmlns="" xmlns:a14="http://schemas.microsoft.com/office/drawing/2010/main" val="0"/>
+                <a14:useLocalDpi xmlns:a14="http://schemas.microsoft.com/office/drawing/2010/main" xmlns="" val="0"/>
               </a:ext>
             </a:extLst>
           </a:blip>
@@ -4321,14 +4322,14 @@
           <a:effectLst/>
           <a:extLst>
             <a:ext uri="{909E8E84-426E-40DD-AFC4-6F175D3DCCD1}">
-              <a14:hiddenFill xmlns="" xmlns:a14="http://schemas.microsoft.com/office/drawing/2010/main">
+              <a14:hiddenFill xmlns:a14="http://schemas.microsoft.com/office/drawing/2010/main" xmlns="">
                 <a:solidFill>
                   <a:schemeClr val="accent1"/>
                 </a:solidFill>
               </a14:hiddenFill>
             </a:ext>
             <a:ext uri="{91240B29-F687-4F45-9708-019B960494DF}">
-              <a14:hiddenLine xmlns="" xmlns:a14="http://schemas.microsoft.com/office/drawing/2010/main" w="9525">
+              <a14:hiddenLine xmlns:a14="http://schemas.microsoft.com/office/drawing/2010/main" xmlns="" w="9525">
                 <a:solidFill>
                   <a:schemeClr val="tx1"/>
                 </a:solidFill>
@@ -4338,7 +4339,7 @@
               </a14:hiddenLine>
             </a:ext>
             <a:ext uri="{AF507438-7753-43E0-B8FC-AC1667EBCBE1}">
-              <a14:hiddenEffects xmlns="" xmlns:a14="http://schemas.microsoft.com/office/drawing/2010/main">
+              <a14:hiddenEffects xmlns:a14="http://schemas.microsoft.com/office/drawing/2010/main" xmlns="">
                 <a:effectLst>
                   <a:outerShdw dist="35921" dir="2700000" algn="ctr" rotWithShape="0">
                     <a:schemeClr val="bg2"/>
@@ -4352,7 +4353,7 @@
     </p:spTree>
     <p:extLst>
       <p:ext uri="{BB962C8B-B14F-4D97-AF65-F5344CB8AC3E}">
-        <p14:creationId xmlns="" xmlns:p14="http://schemas.microsoft.com/office/powerpoint/2010/main" val="1757664227"/>
+        <p14:creationId xmlns:p14="http://schemas.microsoft.com/office/powerpoint/2010/main" xmlns="" val="1757664227"/>
       </p:ext>
     </p:extLst>
   </p:cSld>
@@ -4445,7 +4446,7 @@
           <a:blip r:embed="rId2" cstate="print">
             <a:extLst>
               <a:ext uri="{28A0092B-C50C-407E-A947-70E740481C1C}">
-                <a14:useLocalDpi xmlns="" xmlns:a14="http://schemas.microsoft.com/office/drawing/2010/main" val="0"/>
+                <a14:useLocalDpi xmlns:a14="http://schemas.microsoft.com/office/drawing/2010/main" xmlns="" val="0"/>
               </a:ext>
             </a:extLst>
           </a:blip>
@@ -4469,14 +4470,14 @@
           <a:effectLst/>
           <a:extLst>
             <a:ext uri="{909E8E84-426E-40DD-AFC4-6F175D3DCCD1}">
-              <a14:hiddenFill xmlns="" xmlns:a14="http://schemas.microsoft.com/office/drawing/2010/main">
+              <a14:hiddenFill xmlns:a14="http://schemas.microsoft.com/office/drawing/2010/main" xmlns="">
                 <a:solidFill>
                   <a:schemeClr val="accent1"/>
                 </a:solidFill>
               </a14:hiddenFill>
             </a:ext>
             <a:ext uri="{91240B29-F687-4F45-9708-019B960494DF}">
-              <a14:hiddenLine xmlns="" xmlns:a14="http://schemas.microsoft.com/office/drawing/2010/main" w="9525">
+              <a14:hiddenLine xmlns:a14="http://schemas.microsoft.com/office/drawing/2010/main" xmlns="" w="9525">
                 <a:solidFill>
                   <a:schemeClr val="tx1"/>
                 </a:solidFill>
@@ -4486,7 +4487,7 @@
               </a14:hiddenLine>
             </a:ext>
             <a:ext uri="{AF507438-7753-43E0-B8FC-AC1667EBCBE1}">
-              <a14:hiddenEffects xmlns="" xmlns:a14="http://schemas.microsoft.com/office/drawing/2010/main">
+              <a14:hiddenEffects xmlns:a14="http://schemas.microsoft.com/office/drawing/2010/main" xmlns="">
                 <a:effectLst>
                   <a:outerShdw dist="35921" dir="2700000" algn="ctr" rotWithShape="0">
                     <a:schemeClr val="bg2"/>
@@ -4509,7 +4510,7 @@
           <a:blip r:embed="rId3" cstate="print">
             <a:extLst>
               <a:ext uri="{28A0092B-C50C-407E-A947-70E740481C1C}">
-                <a14:useLocalDpi xmlns="" xmlns:a14="http://schemas.microsoft.com/office/drawing/2010/main" val="0"/>
+                <a14:useLocalDpi xmlns:a14="http://schemas.microsoft.com/office/drawing/2010/main" xmlns="" val="0"/>
               </a:ext>
             </a:extLst>
           </a:blip>
@@ -4533,14 +4534,14 @@
           <a:effectLst/>
           <a:extLst>
             <a:ext uri="{909E8E84-426E-40DD-AFC4-6F175D3DCCD1}">
-              <a14:hiddenFill xmlns="" xmlns:a14="http://schemas.microsoft.com/office/drawing/2010/main">
+              <a14:hiddenFill xmlns:a14="http://schemas.microsoft.com/office/drawing/2010/main" xmlns="">
                 <a:solidFill>
                   <a:schemeClr val="accent1"/>
                 </a:solidFill>
               </a14:hiddenFill>
             </a:ext>
             <a:ext uri="{91240B29-F687-4F45-9708-019B960494DF}">
-              <a14:hiddenLine xmlns="" xmlns:a14="http://schemas.microsoft.com/office/drawing/2010/main" w="9525">
+              <a14:hiddenLine xmlns:a14="http://schemas.microsoft.com/office/drawing/2010/main" xmlns="" w="9525">
                 <a:solidFill>
                   <a:schemeClr val="tx1"/>
                 </a:solidFill>
@@ -4550,7 +4551,7 @@
               </a14:hiddenLine>
             </a:ext>
             <a:ext uri="{AF507438-7753-43E0-B8FC-AC1667EBCBE1}">
-              <a14:hiddenEffects xmlns="" xmlns:a14="http://schemas.microsoft.com/office/drawing/2010/main">
+              <a14:hiddenEffects xmlns:a14="http://schemas.microsoft.com/office/drawing/2010/main" xmlns="">
                 <a:effectLst>
                   <a:outerShdw dist="35921" dir="2700000" algn="ctr" rotWithShape="0">
                     <a:schemeClr val="bg2"/>
@@ -4564,7 +4565,7 @@
     </p:spTree>
     <p:extLst>
       <p:ext uri="{BB962C8B-B14F-4D97-AF65-F5344CB8AC3E}">
-        <p14:creationId xmlns="" xmlns:p14="http://schemas.microsoft.com/office/powerpoint/2010/main" val="3286569274"/>
+        <p14:creationId xmlns:p14="http://schemas.microsoft.com/office/powerpoint/2010/main" xmlns="" val="3286569274"/>
       </p:ext>
     </p:extLst>
   </p:cSld>
@@ -4738,7 +4739,7 @@
           <a:blip r:embed="rId2" cstate="print">
             <a:extLst>
               <a:ext uri="{28A0092B-C50C-407E-A947-70E740481C1C}">
-                <a14:useLocalDpi xmlns="" xmlns:a14="http://schemas.microsoft.com/office/drawing/2010/main" val="0"/>
+                <a14:useLocalDpi xmlns:a14="http://schemas.microsoft.com/office/drawing/2010/main" xmlns="" val="0"/>
               </a:ext>
             </a:extLst>
           </a:blip>
@@ -4762,14 +4763,14 @@
           <a:effectLst/>
           <a:extLst>
             <a:ext uri="{909E8E84-426E-40DD-AFC4-6F175D3DCCD1}">
-              <a14:hiddenFill xmlns="" xmlns:a14="http://schemas.microsoft.com/office/drawing/2010/main">
+              <a14:hiddenFill xmlns:a14="http://schemas.microsoft.com/office/drawing/2010/main" xmlns="">
                 <a:solidFill>
                   <a:schemeClr val="accent1"/>
                 </a:solidFill>
               </a14:hiddenFill>
             </a:ext>
             <a:ext uri="{91240B29-F687-4F45-9708-019B960494DF}">
-              <a14:hiddenLine xmlns="" xmlns:a14="http://schemas.microsoft.com/office/drawing/2010/main" w="9525">
+              <a14:hiddenLine xmlns:a14="http://schemas.microsoft.com/office/drawing/2010/main" xmlns="" w="9525">
                 <a:solidFill>
                   <a:schemeClr val="tx1"/>
                 </a:solidFill>
@@ -4779,7 +4780,7 @@
               </a14:hiddenLine>
             </a:ext>
             <a:ext uri="{AF507438-7753-43E0-B8FC-AC1667EBCBE1}">
-              <a14:hiddenEffects xmlns="" xmlns:a14="http://schemas.microsoft.com/office/drawing/2010/main">
+              <a14:hiddenEffects xmlns:a14="http://schemas.microsoft.com/office/drawing/2010/main" xmlns="">
                 <a:effectLst>
                   <a:outerShdw dist="35921" dir="2700000" algn="ctr" rotWithShape="0">
                     <a:schemeClr val="bg2"/>
@@ -4802,7 +4803,7 @@
           <a:blip r:embed="rId3" cstate="print">
             <a:extLst>
               <a:ext uri="{28A0092B-C50C-407E-A947-70E740481C1C}">
-                <a14:useLocalDpi xmlns="" xmlns:a14="http://schemas.microsoft.com/office/drawing/2010/main" val="0"/>
+                <a14:useLocalDpi xmlns:a14="http://schemas.microsoft.com/office/drawing/2010/main" xmlns="" val="0"/>
               </a:ext>
             </a:extLst>
           </a:blip>
@@ -4826,14 +4827,14 @@
           <a:effectLst/>
           <a:extLst>
             <a:ext uri="{909E8E84-426E-40DD-AFC4-6F175D3DCCD1}">
-              <a14:hiddenFill xmlns="" xmlns:a14="http://schemas.microsoft.com/office/drawing/2010/main">
+              <a14:hiddenFill xmlns:a14="http://schemas.microsoft.com/office/drawing/2010/main" xmlns="">
                 <a:solidFill>
                   <a:schemeClr val="accent1"/>
                 </a:solidFill>
               </a14:hiddenFill>
             </a:ext>
             <a:ext uri="{91240B29-F687-4F45-9708-019B960494DF}">
-              <a14:hiddenLine xmlns="" xmlns:a14="http://schemas.microsoft.com/office/drawing/2010/main" w="9525">
+              <a14:hiddenLine xmlns:a14="http://schemas.microsoft.com/office/drawing/2010/main" xmlns="" w="9525">
                 <a:solidFill>
                   <a:schemeClr val="tx1"/>
                 </a:solidFill>
@@ -4843,7 +4844,7 @@
               </a14:hiddenLine>
             </a:ext>
             <a:ext uri="{AF507438-7753-43E0-B8FC-AC1667EBCBE1}">
-              <a14:hiddenEffects xmlns="" xmlns:a14="http://schemas.microsoft.com/office/drawing/2010/main">
+              <a14:hiddenEffects xmlns:a14="http://schemas.microsoft.com/office/drawing/2010/main" xmlns="">
                 <a:effectLst>
                   <a:outerShdw dist="35921" dir="2700000" algn="ctr" rotWithShape="0">
                     <a:schemeClr val="bg2"/>
@@ -4899,7 +4900,7 @@
           <a:blip r:embed="rId2" cstate="print">
             <a:extLst>
               <a:ext uri="{28A0092B-C50C-407E-A947-70E740481C1C}">
-                <a14:useLocalDpi xmlns="" xmlns:a14="http://schemas.microsoft.com/office/drawing/2010/main" val="0"/>
+                <a14:useLocalDpi xmlns:a14="http://schemas.microsoft.com/office/drawing/2010/main" xmlns="" val="0"/>
               </a:ext>
             </a:extLst>
           </a:blip>
@@ -4923,14 +4924,14 @@
           <a:effectLst/>
           <a:extLst>
             <a:ext uri="{909E8E84-426E-40DD-AFC4-6F175D3DCCD1}">
-              <a14:hiddenFill xmlns="" xmlns:a14="http://schemas.microsoft.com/office/drawing/2010/main">
+              <a14:hiddenFill xmlns:a14="http://schemas.microsoft.com/office/drawing/2010/main" xmlns="">
                 <a:solidFill>
                   <a:schemeClr val="accent1"/>
                 </a:solidFill>
               </a14:hiddenFill>
             </a:ext>
             <a:ext uri="{91240B29-F687-4F45-9708-019B960494DF}">
-              <a14:hiddenLine xmlns="" xmlns:a14="http://schemas.microsoft.com/office/drawing/2010/main" w="9525">
+              <a14:hiddenLine xmlns:a14="http://schemas.microsoft.com/office/drawing/2010/main" xmlns="" w="9525">
                 <a:solidFill>
                   <a:schemeClr val="tx1"/>
                 </a:solidFill>
@@ -4940,7 +4941,7 @@
               </a14:hiddenLine>
             </a:ext>
             <a:ext uri="{AF507438-7753-43E0-B8FC-AC1667EBCBE1}">
-              <a14:hiddenEffects xmlns="" xmlns:a14="http://schemas.microsoft.com/office/drawing/2010/main">
+              <a14:hiddenEffects xmlns:a14="http://schemas.microsoft.com/office/drawing/2010/main" xmlns="">
                 <a:effectLst>
                   <a:outerShdw dist="35921" dir="2700000" algn="ctr" rotWithShape="0">
                     <a:schemeClr val="bg2"/>
@@ -5001,7 +5002,7 @@
           <a:blip r:embed="rId3" cstate="print">
             <a:extLst>
               <a:ext uri="{28A0092B-C50C-407E-A947-70E740481C1C}">
-                <a14:useLocalDpi xmlns="" xmlns:a14="http://schemas.microsoft.com/office/drawing/2010/main" val="0"/>
+                <a14:useLocalDpi xmlns:a14="http://schemas.microsoft.com/office/drawing/2010/main" xmlns="" val="0"/>
               </a:ext>
             </a:extLst>
           </a:blip>
@@ -5025,14 +5026,14 @@
           <a:effectLst/>
           <a:extLst>
             <a:ext uri="{909E8E84-426E-40DD-AFC4-6F175D3DCCD1}">
-              <a14:hiddenFill xmlns="" xmlns:a14="http://schemas.microsoft.com/office/drawing/2010/main">
+              <a14:hiddenFill xmlns:a14="http://schemas.microsoft.com/office/drawing/2010/main" xmlns="">
                 <a:solidFill>
                   <a:schemeClr val="accent1"/>
                 </a:solidFill>
               </a14:hiddenFill>
             </a:ext>
             <a:ext uri="{91240B29-F687-4F45-9708-019B960494DF}">
-              <a14:hiddenLine xmlns="" xmlns:a14="http://schemas.microsoft.com/office/drawing/2010/main" w="9525">
+              <a14:hiddenLine xmlns:a14="http://schemas.microsoft.com/office/drawing/2010/main" xmlns="" w="9525">
                 <a:solidFill>
                   <a:schemeClr val="tx1"/>
                 </a:solidFill>
@@ -5042,7 +5043,7 @@
               </a14:hiddenLine>
             </a:ext>
             <a:ext uri="{AF507438-7753-43E0-B8FC-AC1667EBCBE1}">
-              <a14:hiddenEffects xmlns="" xmlns:a14="http://schemas.microsoft.com/office/drawing/2010/main">
+              <a14:hiddenEffects xmlns:a14="http://schemas.microsoft.com/office/drawing/2010/main" xmlns="">
                 <a:effectLst>
                   <a:outerShdw dist="35921" dir="2700000" algn="ctr" rotWithShape="0">
                     <a:schemeClr val="bg2"/>
@@ -5136,7 +5137,7 @@
           <a:blip r:embed="rId2" cstate="print">
             <a:extLst>
               <a:ext uri="{28A0092B-C50C-407E-A947-70E740481C1C}">
-                <a14:useLocalDpi xmlns="" xmlns:a14="http://schemas.microsoft.com/office/drawing/2010/main" val="0"/>
+                <a14:useLocalDpi xmlns:a14="http://schemas.microsoft.com/office/drawing/2010/main" xmlns="" val="0"/>
               </a:ext>
             </a:extLst>
           </a:blip>
@@ -5160,14 +5161,14 @@
           <a:effectLst/>
           <a:extLst>
             <a:ext uri="{909E8E84-426E-40DD-AFC4-6F175D3DCCD1}">
-              <a14:hiddenFill xmlns="" xmlns:a14="http://schemas.microsoft.com/office/drawing/2010/main">
+              <a14:hiddenFill xmlns:a14="http://schemas.microsoft.com/office/drawing/2010/main" xmlns="">
                 <a:solidFill>
                   <a:schemeClr val="accent1"/>
                 </a:solidFill>
               </a14:hiddenFill>
             </a:ext>
             <a:ext uri="{91240B29-F687-4F45-9708-019B960494DF}">
-              <a14:hiddenLine xmlns="" xmlns:a14="http://schemas.microsoft.com/office/drawing/2010/main" w="9525">
+              <a14:hiddenLine xmlns:a14="http://schemas.microsoft.com/office/drawing/2010/main" xmlns="" w="9525">
                 <a:solidFill>
                   <a:schemeClr val="tx1"/>
                 </a:solidFill>
@@ -5177,7 +5178,7 @@
               </a14:hiddenLine>
             </a:ext>
             <a:ext uri="{AF507438-7753-43E0-B8FC-AC1667EBCBE1}">
-              <a14:hiddenEffects xmlns="" xmlns:a14="http://schemas.microsoft.com/office/drawing/2010/main">
+              <a14:hiddenEffects xmlns:a14="http://schemas.microsoft.com/office/drawing/2010/main" xmlns="">
                 <a:effectLst>
                   <a:outerShdw dist="35921" dir="2700000" algn="ctr" rotWithShape="0">
                     <a:schemeClr val="bg2"/>
@@ -5200,7 +5201,7 @@
           <a:blip r:embed="rId3" cstate="print">
             <a:extLst>
               <a:ext uri="{28A0092B-C50C-407E-A947-70E740481C1C}">
-                <a14:useLocalDpi xmlns="" xmlns:a14="http://schemas.microsoft.com/office/drawing/2010/main" val="0"/>
+                <a14:useLocalDpi xmlns:a14="http://schemas.microsoft.com/office/drawing/2010/main" xmlns="" val="0"/>
               </a:ext>
             </a:extLst>
           </a:blip>
@@ -5224,14 +5225,14 @@
           <a:effectLst/>
           <a:extLst>
             <a:ext uri="{909E8E84-426E-40DD-AFC4-6F175D3DCCD1}">
-              <a14:hiddenFill xmlns="" xmlns:a14="http://schemas.microsoft.com/office/drawing/2010/main">
+              <a14:hiddenFill xmlns:a14="http://schemas.microsoft.com/office/drawing/2010/main" xmlns="">
                 <a:solidFill>
                   <a:schemeClr val="accent1"/>
                 </a:solidFill>
               </a14:hiddenFill>
             </a:ext>
             <a:ext uri="{91240B29-F687-4F45-9708-019B960494DF}">
-              <a14:hiddenLine xmlns="" xmlns:a14="http://schemas.microsoft.com/office/drawing/2010/main" w="9525">
+              <a14:hiddenLine xmlns:a14="http://schemas.microsoft.com/office/drawing/2010/main" xmlns="" w="9525">
                 <a:solidFill>
                   <a:schemeClr val="tx1"/>
                 </a:solidFill>
@@ -5241,7 +5242,7 @@
               </a14:hiddenLine>
             </a:ext>
             <a:ext uri="{AF507438-7753-43E0-B8FC-AC1667EBCBE1}">
-              <a14:hiddenEffects xmlns="" xmlns:a14="http://schemas.microsoft.com/office/drawing/2010/main">
+              <a14:hiddenEffects xmlns:a14="http://schemas.microsoft.com/office/drawing/2010/main" xmlns="">
                 <a:effectLst>
                   <a:outerShdw dist="35921" dir="2700000" algn="ctr" rotWithShape="0">
                     <a:schemeClr val="bg2"/>
@@ -5255,7 +5256,7 @@
     </p:spTree>
     <p:extLst>
       <p:ext uri="{BB962C8B-B14F-4D97-AF65-F5344CB8AC3E}">
-        <p14:creationId xmlns="" xmlns:p14="http://schemas.microsoft.com/office/powerpoint/2010/main" val="2220388572"/>
+        <p14:creationId xmlns:p14="http://schemas.microsoft.com/office/powerpoint/2010/main" xmlns="" val="2220388572"/>
       </p:ext>
     </p:extLst>
   </p:cSld>
@@ -5340,7 +5341,7 @@
           <a:blip r:embed="rId2" cstate="print">
             <a:extLst>
               <a:ext uri="{28A0092B-C50C-407E-A947-70E740481C1C}">
-                <a14:useLocalDpi xmlns="" xmlns:a14="http://schemas.microsoft.com/office/drawing/2010/main" val="0"/>
+                <a14:useLocalDpi xmlns:a14="http://schemas.microsoft.com/office/drawing/2010/main" xmlns="" val="0"/>
               </a:ext>
             </a:extLst>
           </a:blip>
@@ -5364,14 +5365,14 @@
           <a:effectLst/>
           <a:extLst>
             <a:ext uri="{909E8E84-426E-40DD-AFC4-6F175D3DCCD1}">
-              <a14:hiddenFill xmlns="" xmlns:a14="http://schemas.microsoft.com/office/drawing/2010/main">
+              <a14:hiddenFill xmlns:a14="http://schemas.microsoft.com/office/drawing/2010/main" xmlns="">
                 <a:solidFill>
                   <a:schemeClr val="accent1"/>
                 </a:solidFill>
               </a14:hiddenFill>
             </a:ext>
             <a:ext uri="{91240B29-F687-4F45-9708-019B960494DF}">
-              <a14:hiddenLine xmlns="" xmlns:a14="http://schemas.microsoft.com/office/drawing/2010/main" w="9525">
+              <a14:hiddenLine xmlns:a14="http://schemas.microsoft.com/office/drawing/2010/main" xmlns="" w="9525">
                 <a:solidFill>
                   <a:schemeClr val="tx1"/>
                 </a:solidFill>
@@ -5381,7 +5382,7 @@
               </a14:hiddenLine>
             </a:ext>
             <a:ext uri="{AF507438-7753-43E0-B8FC-AC1667EBCBE1}">
-              <a14:hiddenEffects xmlns="" xmlns:a14="http://schemas.microsoft.com/office/drawing/2010/main">
+              <a14:hiddenEffects xmlns:a14="http://schemas.microsoft.com/office/drawing/2010/main" xmlns="">
                 <a:effectLst>
                   <a:outerShdw dist="35921" dir="2700000" algn="ctr" rotWithShape="0">
                     <a:schemeClr val="bg2"/>
@@ -5404,7 +5405,7 @@
           <a:blip r:embed="rId3" cstate="print">
             <a:extLst>
               <a:ext uri="{28A0092B-C50C-407E-A947-70E740481C1C}">
-                <a14:useLocalDpi xmlns="" xmlns:a14="http://schemas.microsoft.com/office/drawing/2010/main" val="0"/>
+                <a14:useLocalDpi xmlns:a14="http://schemas.microsoft.com/office/drawing/2010/main" xmlns="" val="0"/>
               </a:ext>
             </a:extLst>
           </a:blip>
@@ -5428,14 +5429,14 @@
           <a:effectLst/>
           <a:extLst>
             <a:ext uri="{909E8E84-426E-40DD-AFC4-6F175D3DCCD1}">
-              <a14:hiddenFill xmlns="" xmlns:a14="http://schemas.microsoft.com/office/drawing/2010/main">
+              <a14:hiddenFill xmlns:a14="http://schemas.microsoft.com/office/drawing/2010/main" xmlns="">
                 <a:solidFill>
                   <a:schemeClr val="accent1"/>
                 </a:solidFill>
               </a14:hiddenFill>
             </a:ext>
             <a:ext uri="{91240B29-F687-4F45-9708-019B960494DF}">
-              <a14:hiddenLine xmlns="" xmlns:a14="http://schemas.microsoft.com/office/drawing/2010/main" w="9525">
+              <a14:hiddenLine xmlns:a14="http://schemas.microsoft.com/office/drawing/2010/main" xmlns="" w="9525">
                 <a:solidFill>
                   <a:schemeClr val="tx1"/>
                 </a:solidFill>
@@ -5445,7 +5446,7 @@
               </a14:hiddenLine>
             </a:ext>
             <a:ext uri="{AF507438-7753-43E0-B8FC-AC1667EBCBE1}">
-              <a14:hiddenEffects xmlns="" xmlns:a14="http://schemas.microsoft.com/office/drawing/2010/main">
+              <a14:hiddenEffects xmlns:a14="http://schemas.microsoft.com/office/drawing/2010/main" xmlns="">
                 <a:effectLst>
                   <a:outerShdw dist="35921" dir="2700000" algn="ctr" rotWithShape="0">
                     <a:schemeClr val="bg2"/>
@@ -5489,7 +5490,7 @@
     </p:spTree>
     <p:extLst>
       <p:ext uri="{BB962C8B-B14F-4D97-AF65-F5344CB8AC3E}">
-        <p14:creationId xmlns="" xmlns:p14="http://schemas.microsoft.com/office/powerpoint/2010/main" val="2892528381"/>
+        <p14:creationId xmlns:p14="http://schemas.microsoft.com/office/powerpoint/2010/main" xmlns="" val="2892528381"/>
       </p:ext>
     </p:extLst>
   </p:cSld>
@@ -5574,7 +5575,7 @@
           <a:blip r:embed="rId2" cstate="print">
             <a:extLst>
               <a:ext uri="{28A0092B-C50C-407E-A947-70E740481C1C}">
-                <a14:useLocalDpi xmlns="" xmlns:a14="http://schemas.microsoft.com/office/drawing/2010/main" val="0"/>
+                <a14:useLocalDpi xmlns:a14="http://schemas.microsoft.com/office/drawing/2010/main" xmlns="" val="0"/>
               </a:ext>
             </a:extLst>
           </a:blip>
@@ -5598,14 +5599,14 @@
           <a:effectLst/>
           <a:extLst>
             <a:ext uri="{909E8E84-426E-40DD-AFC4-6F175D3DCCD1}">
-              <a14:hiddenFill xmlns="" xmlns:a14="http://schemas.microsoft.com/office/drawing/2010/main">
+              <a14:hiddenFill xmlns:a14="http://schemas.microsoft.com/office/drawing/2010/main" xmlns="">
                 <a:solidFill>
                   <a:schemeClr val="accent1"/>
                 </a:solidFill>
               </a14:hiddenFill>
             </a:ext>
             <a:ext uri="{91240B29-F687-4F45-9708-019B960494DF}">
-              <a14:hiddenLine xmlns="" xmlns:a14="http://schemas.microsoft.com/office/drawing/2010/main" w="9525">
+              <a14:hiddenLine xmlns:a14="http://schemas.microsoft.com/office/drawing/2010/main" xmlns="" w="9525">
                 <a:solidFill>
                   <a:schemeClr val="tx1"/>
                 </a:solidFill>
@@ -5615,7 +5616,7 @@
               </a14:hiddenLine>
             </a:ext>
             <a:ext uri="{AF507438-7753-43E0-B8FC-AC1667EBCBE1}">
-              <a14:hiddenEffects xmlns="" xmlns:a14="http://schemas.microsoft.com/office/drawing/2010/main">
+              <a14:hiddenEffects xmlns:a14="http://schemas.microsoft.com/office/drawing/2010/main" xmlns="">
                 <a:effectLst>
                   <a:outerShdw dist="35921" dir="2700000" algn="ctr" rotWithShape="0">
                     <a:schemeClr val="bg2"/>
@@ -5638,7 +5639,7 @@
           <a:blip r:embed="rId3" cstate="print">
             <a:extLst>
               <a:ext uri="{28A0092B-C50C-407E-A947-70E740481C1C}">
-                <a14:useLocalDpi xmlns="" xmlns:a14="http://schemas.microsoft.com/office/drawing/2010/main" val="0"/>
+                <a14:useLocalDpi xmlns:a14="http://schemas.microsoft.com/office/drawing/2010/main" xmlns="" val="0"/>
               </a:ext>
             </a:extLst>
           </a:blip>
@@ -5662,14 +5663,14 @@
           <a:effectLst/>
           <a:extLst>
             <a:ext uri="{909E8E84-426E-40DD-AFC4-6F175D3DCCD1}">
-              <a14:hiddenFill xmlns="" xmlns:a14="http://schemas.microsoft.com/office/drawing/2010/main">
+              <a14:hiddenFill xmlns:a14="http://schemas.microsoft.com/office/drawing/2010/main" xmlns="">
                 <a:solidFill>
                   <a:schemeClr val="accent1"/>
                 </a:solidFill>
               </a14:hiddenFill>
             </a:ext>
             <a:ext uri="{91240B29-F687-4F45-9708-019B960494DF}">
-              <a14:hiddenLine xmlns="" xmlns:a14="http://schemas.microsoft.com/office/drawing/2010/main" w="9525">
+              <a14:hiddenLine xmlns:a14="http://schemas.microsoft.com/office/drawing/2010/main" xmlns="" w="9525">
                 <a:solidFill>
                   <a:schemeClr val="tx1"/>
                 </a:solidFill>
@@ -5679,7 +5680,7 @@
               </a14:hiddenLine>
             </a:ext>
             <a:ext uri="{AF507438-7753-43E0-B8FC-AC1667EBCBE1}">
-              <a14:hiddenEffects xmlns="" xmlns:a14="http://schemas.microsoft.com/office/drawing/2010/main">
+              <a14:hiddenEffects xmlns:a14="http://schemas.microsoft.com/office/drawing/2010/main" xmlns="">
                 <a:effectLst>
                   <a:outerShdw dist="35921" dir="2700000" algn="ctr" rotWithShape="0">
                     <a:schemeClr val="bg2"/>
@@ -5693,7 +5694,7 @@
     </p:spTree>
     <p:extLst>
       <p:ext uri="{BB962C8B-B14F-4D97-AF65-F5344CB8AC3E}">
-        <p14:creationId xmlns="" xmlns:p14="http://schemas.microsoft.com/office/powerpoint/2010/main" val="2552849232"/>
+        <p14:creationId xmlns:p14="http://schemas.microsoft.com/office/powerpoint/2010/main" xmlns="" val="2552849232"/>
       </p:ext>
     </p:extLst>
   </p:cSld>
@@ -5778,7 +5779,7 @@
           <a:blip r:embed="rId2" cstate="print">
             <a:extLst>
               <a:ext uri="{28A0092B-C50C-407E-A947-70E740481C1C}">
-                <a14:useLocalDpi xmlns="" xmlns:a14="http://schemas.microsoft.com/office/drawing/2010/main" val="0"/>
+                <a14:useLocalDpi xmlns:a14="http://schemas.microsoft.com/office/drawing/2010/main" xmlns="" val="0"/>
               </a:ext>
             </a:extLst>
           </a:blip>
@@ -5802,14 +5803,14 @@
           <a:effectLst/>
           <a:extLst>
             <a:ext uri="{909E8E84-426E-40DD-AFC4-6F175D3DCCD1}">
-              <a14:hiddenFill xmlns="" xmlns:a14="http://schemas.microsoft.com/office/drawing/2010/main">
+              <a14:hiddenFill xmlns:a14="http://schemas.microsoft.com/office/drawing/2010/main" xmlns="">
                 <a:solidFill>
                   <a:schemeClr val="accent1"/>
                 </a:solidFill>
               </a14:hiddenFill>
             </a:ext>
             <a:ext uri="{91240B29-F687-4F45-9708-019B960494DF}">
-              <a14:hiddenLine xmlns="" xmlns:a14="http://schemas.microsoft.com/office/drawing/2010/main" w="9525">
+              <a14:hiddenLine xmlns:a14="http://schemas.microsoft.com/office/drawing/2010/main" xmlns="" w="9525">
                 <a:solidFill>
                   <a:schemeClr val="tx1"/>
                 </a:solidFill>
@@ -5819,7 +5820,7 @@
               </a14:hiddenLine>
             </a:ext>
             <a:ext uri="{AF507438-7753-43E0-B8FC-AC1667EBCBE1}">
-              <a14:hiddenEffects xmlns="" xmlns:a14="http://schemas.microsoft.com/office/drawing/2010/main">
+              <a14:hiddenEffects xmlns:a14="http://schemas.microsoft.com/office/drawing/2010/main" xmlns="">
                 <a:effectLst>
                   <a:outerShdw dist="35921" dir="2700000" algn="ctr" rotWithShape="0">
                     <a:schemeClr val="bg2"/>
@@ -5842,7 +5843,7 @@
           <a:blip r:embed="rId3" cstate="print">
             <a:extLst>
               <a:ext uri="{28A0092B-C50C-407E-A947-70E740481C1C}">
-                <a14:useLocalDpi xmlns="" xmlns:a14="http://schemas.microsoft.com/office/drawing/2010/main" val="0"/>
+                <a14:useLocalDpi xmlns:a14="http://schemas.microsoft.com/office/drawing/2010/main" xmlns="" val="0"/>
               </a:ext>
             </a:extLst>
           </a:blip>
@@ -5866,14 +5867,14 @@
           <a:effectLst/>
           <a:extLst>
             <a:ext uri="{909E8E84-426E-40DD-AFC4-6F175D3DCCD1}">
-              <a14:hiddenFill xmlns="" xmlns:a14="http://schemas.microsoft.com/office/drawing/2010/main">
+              <a14:hiddenFill xmlns:a14="http://schemas.microsoft.com/office/drawing/2010/main" xmlns="">
                 <a:solidFill>
                   <a:schemeClr val="accent1"/>
                 </a:solidFill>
               </a14:hiddenFill>
             </a:ext>
             <a:ext uri="{91240B29-F687-4F45-9708-019B960494DF}">
-              <a14:hiddenLine xmlns="" xmlns:a14="http://schemas.microsoft.com/office/drawing/2010/main" w="9525">
+              <a14:hiddenLine xmlns:a14="http://schemas.microsoft.com/office/drawing/2010/main" xmlns="" w="9525">
                 <a:solidFill>
                   <a:schemeClr val="tx1"/>
                 </a:solidFill>
@@ -5883,7 +5884,7 @@
               </a14:hiddenLine>
             </a:ext>
             <a:ext uri="{AF507438-7753-43E0-B8FC-AC1667EBCBE1}">
-              <a14:hiddenEffects xmlns="" xmlns:a14="http://schemas.microsoft.com/office/drawing/2010/main">
+              <a14:hiddenEffects xmlns:a14="http://schemas.microsoft.com/office/drawing/2010/main" xmlns="">
                 <a:effectLst>
                   <a:outerShdw dist="35921" dir="2700000" algn="ctr" rotWithShape="0">
                     <a:schemeClr val="bg2"/>
@@ -5897,7 +5898,7 @@
     </p:spTree>
     <p:extLst>
       <p:ext uri="{BB962C8B-B14F-4D97-AF65-F5344CB8AC3E}">
-        <p14:creationId xmlns="" xmlns:p14="http://schemas.microsoft.com/office/powerpoint/2010/main" val="3542511513"/>
+        <p14:creationId xmlns:p14="http://schemas.microsoft.com/office/powerpoint/2010/main" xmlns="" val="3542511513"/>
       </p:ext>
     </p:extLst>
   </p:cSld>
@@ -6235,7 +6236,7 @@
     </p:spTree>
     <p:extLst>
       <p:ext uri="{BB962C8B-B14F-4D97-AF65-F5344CB8AC3E}">
-        <p14:creationId xmlns="" xmlns:p14="http://schemas.microsoft.com/office/powerpoint/2010/main" val="312653180"/>
+        <p14:creationId xmlns:p14="http://schemas.microsoft.com/office/powerpoint/2010/main" xmlns="" val="312653180"/>
       </p:ext>
     </p:extLst>
   </p:cSld>
@@ -6764,7 +6765,7 @@
     </p:spTree>
     <p:extLst>
       <p:ext uri="{BB962C8B-B14F-4D97-AF65-F5344CB8AC3E}">
-        <p14:creationId xmlns="" xmlns:p14="http://schemas.microsoft.com/office/powerpoint/2010/main" val="3022720785"/>
+        <p14:creationId xmlns:p14="http://schemas.microsoft.com/office/powerpoint/2010/main" xmlns="" val="3022720785"/>
       </p:ext>
     </p:extLst>
   </p:cSld>
@@ -6917,7 +6918,7 @@
     </p:spTree>
     <p:extLst>
       <p:ext uri="{BB962C8B-B14F-4D97-AF65-F5344CB8AC3E}">
-        <p14:creationId xmlns="" xmlns:p14="http://schemas.microsoft.com/office/powerpoint/2010/main" val="2598700137"/>
+        <p14:creationId xmlns:p14="http://schemas.microsoft.com/office/powerpoint/2010/main" xmlns="" val="2598700137"/>
       </p:ext>
     </p:extLst>
   </p:cSld>
@@ -6987,7 +6988,7 @@
           <a:blip r:embed="rId2" cstate="print">
             <a:extLst>
               <a:ext uri="{28A0092B-C50C-407E-A947-70E740481C1C}">
-                <a14:useLocalDpi xmlns="" xmlns:a14="http://schemas.microsoft.com/office/drawing/2010/main" val="0"/>
+                <a14:useLocalDpi xmlns:a14="http://schemas.microsoft.com/office/drawing/2010/main" xmlns="" val="0"/>
               </a:ext>
             </a:extLst>
           </a:blip>
@@ -7011,14 +7012,14 @@
           <a:effectLst/>
           <a:extLst>
             <a:ext uri="{909E8E84-426E-40DD-AFC4-6F175D3DCCD1}">
-              <a14:hiddenFill xmlns="" xmlns:a14="http://schemas.microsoft.com/office/drawing/2010/main">
+              <a14:hiddenFill xmlns:a14="http://schemas.microsoft.com/office/drawing/2010/main" xmlns="">
                 <a:solidFill>
                   <a:schemeClr val="accent1"/>
                 </a:solidFill>
               </a14:hiddenFill>
             </a:ext>
             <a:ext uri="{91240B29-F687-4F45-9708-019B960494DF}">
-              <a14:hiddenLine xmlns="" xmlns:a14="http://schemas.microsoft.com/office/drawing/2010/main" w="9525">
+              <a14:hiddenLine xmlns:a14="http://schemas.microsoft.com/office/drawing/2010/main" xmlns="" w="9525">
                 <a:solidFill>
                   <a:schemeClr val="tx1"/>
                 </a:solidFill>
@@ -7028,7 +7029,7 @@
               </a14:hiddenLine>
             </a:ext>
             <a:ext uri="{AF507438-7753-43E0-B8FC-AC1667EBCBE1}">
-              <a14:hiddenEffects xmlns="" xmlns:a14="http://schemas.microsoft.com/office/drawing/2010/main">
+              <a14:hiddenEffects xmlns:a14="http://schemas.microsoft.com/office/drawing/2010/main" xmlns="">
                 <a:effectLst>
                   <a:outerShdw dist="35921" dir="2700000" algn="ctr" rotWithShape="0">
                     <a:schemeClr val="bg2"/>
@@ -7409,7 +7410,7 @@
     </p:spTree>
     <p:extLst>
       <p:ext uri="{BB962C8B-B14F-4D97-AF65-F5344CB8AC3E}">
-        <p14:creationId xmlns="" xmlns:p14="http://schemas.microsoft.com/office/powerpoint/2010/main" val="3159769257"/>
+        <p14:creationId xmlns:p14="http://schemas.microsoft.com/office/powerpoint/2010/main" xmlns="" val="3159769257"/>
       </p:ext>
     </p:extLst>
   </p:cSld>
@@ -7719,7 +7720,7 @@
     </p:spTree>
     <p:extLst>
       <p:ext uri="{BB962C8B-B14F-4D97-AF65-F5344CB8AC3E}">
-        <p14:creationId xmlns="" xmlns:p14="http://schemas.microsoft.com/office/powerpoint/2010/main" val="2035179314"/>
+        <p14:creationId xmlns:p14="http://schemas.microsoft.com/office/powerpoint/2010/main" xmlns="" val="2035179314"/>
       </p:ext>
     </p:extLst>
   </p:cSld>
@@ -7836,7 +7837,7 @@
     </p:spTree>
     <p:extLst>
       <p:ext uri="{BB962C8B-B14F-4D97-AF65-F5344CB8AC3E}">
-        <p14:creationId xmlns="" xmlns:p14="http://schemas.microsoft.com/office/powerpoint/2010/main" val="464764754"/>
+        <p14:creationId xmlns:p14="http://schemas.microsoft.com/office/powerpoint/2010/main" xmlns="" val="464764754"/>
       </p:ext>
     </p:extLst>
   </p:cSld>
@@ -7996,7 +7997,7 @@
           <a:blip r:embed="rId2" cstate="print">
             <a:extLst>
               <a:ext uri="{28A0092B-C50C-407E-A947-70E740481C1C}">
-                <a14:useLocalDpi xmlns="" xmlns:a14="http://schemas.microsoft.com/office/drawing/2010/main" val="0"/>
+                <a14:useLocalDpi xmlns:a14="http://schemas.microsoft.com/office/drawing/2010/main" xmlns="" val="0"/>
               </a:ext>
             </a:extLst>
           </a:blip>
@@ -8020,14 +8021,14 @@
           <a:effectLst/>
           <a:extLst>
             <a:ext uri="{909E8E84-426E-40DD-AFC4-6F175D3DCCD1}">
-              <a14:hiddenFill xmlns="" xmlns:a14="http://schemas.microsoft.com/office/drawing/2010/main">
+              <a14:hiddenFill xmlns:a14="http://schemas.microsoft.com/office/drawing/2010/main" xmlns="">
                 <a:solidFill>
                   <a:schemeClr val="accent1"/>
                 </a:solidFill>
               </a14:hiddenFill>
             </a:ext>
             <a:ext uri="{91240B29-F687-4F45-9708-019B960494DF}">
-              <a14:hiddenLine xmlns="" xmlns:a14="http://schemas.microsoft.com/office/drawing/2010/main" w="9525">
+              <a14:hiddenLine xmlns:a14="http://schemas.microsoft.com/office/drawing/2010/main" xmlns="" w="9525">
                 <a:solidFill>
                   <a:schemeClr val="tx1"/>
                 </a:solidFill>
@@ -8037,7 +8038,7 @@
               </a14:hiddenLine>
             </a:ext>
             <a:ext uri="{AF507438-7753-43E0-B8FC-AC1667EBCBE1}">
-              <a14:hiddenEffects xmlns="" xmlns:a14="http://schemas.microsoft.com/office/drawing/2010/main">
+              <a14:hiddenEffects xmlns:a14="http://schemas.microsoft.com/office/drawing/2010/main" xmlns="">
                 <a:effectLst>
                   <a:outerShdw dist="35921" dir="2700000" algn="ctr" rotWithShape="0">
                     <a:schemeClr val="bg2"/>
@@ -8060,7 +8061,7 @@
           <a:blip r:embed="rId3" cstate="print">
             <a:extLst>
               <a:ext uri="{28A0092B-C50C-407E-A947-70E740481C1C}">
-                <a14:useLocalDpi xmlns="" xmlns:a14="http://schemas.microsoft.com/office/drawing/2010/main" val="0"/>
+                <a14:useLocalDpi xmlns:a14="http://schemas.microsoft.com/office/drawing/2010/main" xmlns="" val="0"/>
               </a:ext>
             </a:extLst>
           </a:blip>
@@ -8084,14 +8085,14 @@
           <a:effectLst/>
           <a:extLst>
             <a:ext uri="{909E8E84-426E-40DD-AFC4-6F175D3DCCD1}">
-              <a14:hiddenFill xmlns="" xmlns:a14="http://schemas.microsoft.com/office/drawing/2010/main">
+              <a14:hiddenFill xmlns:a14="http://schemas.microsoft.com/office/drawing/2010/main" xmlns="">
                 <a:solidFill>
                   <a:schemeClr val="accent1"/>
                 </a:solidFill>
               </a14:hiddenFill>
             </a:ext>
             <a:ext uri="{91240B29-F687-4F45-9708-019B960494DF}">
-              <a14:hiddenLine xmlns="" xmlns:a14="http://schemas.microsoft.com/office/drawing/2010/main" w="9525">
+              <a14:hiddenLine xmlns:a14="http://schemas.microsoft.com/office/drawing/2010/main" xmlns="" w="9525">
                 <a:solidFill>
                   <a:schemeClr val="tx1"/>
                 </a:solidFill>
@@ -8101,7 +8102,7 @@
               </a14:hiddenLine>
             </a:ext>
             <a:ext uri="{AF507438-7753-43E0-B8FC-AC1667EBCBE1}">
-              <a14:hiddenEffects xmlns="" xmlns:a14="http://schemas.microsoft.com/office/drawing/2010/main">
+              <a14:hiddenEffects xmlns:a14="http://schemas.microsoft.com/office/drawing/2010/main" xmlns="">
                 <a:effectLst>
                   <a:outerShdw dist="35921" dir="2700000" algn="ctr" rotWithShape="0">
                     <a:schemeClr val="bg2"/>
@@ -8115,7 +8116,7 @@
     </p:spTree>
     <p:extLst>
       <p:ext uri="{BB962C8B-B14F-4D97-AF65-F5344CB8AC3E}">
-        <p14:creationId xmlns="" xmlns:p14="http://schemas.microsoft.com/office/powerpoint/2010/main" val="32870094"/>
+        <p14:creationId xmlns:p14="http://schemas.microsoft.com/office/powerpoint/2010/main" xmlns="" val="32870094"/>
       </p:ext>
     </p:extLst>
   </p:cSld>
@@ -8340,7 +8341,7 @@
     </p:spTree>
     <p:extLst>
       <p:ext uri="{BB962C8B-B14F-4D97-AF65-F5344CB8AC3E}">
-        <p14:creationId xmlns="" xmlns:p14="http://schemas.microsoft.com/office/powerpoint/2010/main" val="2933554077"/>
+        <p14:creationId xmlns:p14="http://schemas.microsoft.com/office/powerpoint/2010/main" xmlns="" val="2933554077"/>
       </p:ext>
     </p:extLst>
   </p:cSld>
@@ -8586,6 +8587,127 @@
 </file>
 
 <file path=ppt/slides/slide33.xml><?xml version="1.0" encoding="utf-8"?>
+<p:sld xmlns:a="http://schemas.openxmlformats.org/drawingml/2006/main" xmlns:r="http://schemas.openxmlformats.org/officeDocument/2006/relationships" xmlns:p="http://schemas.openxmlformats.org/presentationml/2006/main">
+  <p:cSld>
+    <p:spTree>
+      <p:nvGrpSpPr>
+        <p:cNvPr id="1" name=""/>
+        <p:cNvGrpSpPr/>
+        <p:nvPr/>
+      </p:nvGrpSpPr>
+      <p:grpSpPr>
+        <a:xfrm>
+          <a:off x="0" y="0"/>
+          <a:ext cx="0" cy="0"/>
+          <a:chOff x="0" y="0"/>
+          <a:chExt cx="0" cy="0"/>
+        </a:xfrm>
+      </p:grpSpPr>
+      <p:sp>
+        <p:nvSpPr>
+          <p:cNvPr id="2" name="Title 1"/>
+          <p:cNvSpPr>
+            <a:spLocks noGrp="1"/>
+          </p:cNvSpPr>
+          <p:nvPr>
+            <p:ph type="title"/>
+          </p:nvPr>
+        </p:nvSpPr>
+        <p:spPr/>
+        <p:txBody>
+          <a:bodyPr/>
+          <a:lstStyle/>
+          <a:p>
+            <a:r>
+              <a:rPr lang="en-US" dirty="0" smtClean="0"/>
+              <a:t>A few notes about working on EC2</a:t>
+            </a:r>
+            <a:endParaRPr lang="en-US" dirty="0"/>
+          </a:p>
+        </p:txBody>
+      </p:sp>
+      <p:sp>
+        <p:nvSpPr>
+          <p:cNvPr id="3" name="Content Placeholder 2"/>
+          <p:cNvSpPr>
+            <a:spLocks noGrp="1"/>
+          </p:cNvSpPr>
+          <p:nvPr>
+            <p:ph idx="1"/>
+          </p:nvPr>
+        </p:nvSpPr>
+        <p:spPr/>
+        <p:txBody>
+          <a:bodyPr/>
+          <a:lstStyle/>
+          <a:p>
+            <a:r>
+              <a:rPr lang="en-US" dirty="0" smtClean="0"/>
+              <a:t>Not the place for permanent data.</a:t>
+            </a:r>
+          </a:p>
+          <a:p>
+            <a:r>
+              <a:rPr lang="en-US" dirty="0" smtClean="0"/>
+              <a:t>You’ll be at the </a:t>
+            </a:r>
+            <a:r>
+              <a:rPr lang="en-US" dirty="0" err="1" smtClean="0"/>
+              <a:t>linux</a:t>
+            </a:r>
+            <a:r>
+              <a:rPr lang="en-US" dirty="0" smtClean="0"/>
+              <a:t> command line. Don’t panic! You mostly just need to cut/past text from the files I sent. A few useful commands:</a:t>
+            </a:r>
+          </a:p>
+          <a:p>
+            <a:pPr lvl="1"/>
+            <a:r>
+              <a:rPr lang="en-US" dirty="0" smtClean="0"/>
+              <a:t>R (to start R). </a:t>
+            </a:r>
+          </a:p>
+          <a:p>
+            <a:pPr lvl="1"/>
+            <a:r>
+              <a:rPr lang="en-US" dirty="0" smtClean="0"/>
+              <a:t>head [file name] to see start of file</a:t>
+            </a:r>
+          </a:p>
+          <a:p>
+            <a:pPr lvl="1"/>
+            <a:r>
+              <a:rPr lang="en-US" dirty="0" err="1" smtClean="0"/>
+              <a:t>ls</a:t>
+            </a:r>
+            <a:r>
+              <a:rPr lang="en-US" dirty="0" smtClean="0"/>
+              <a:t> to see contents of directory</a:t>
+            </a:r>
+            <a:endParaRPr lang="en-US" dirty="0" smtClean="0"/>
+          </a:p>
+          <a:p>
+            <a:pPr lvl="1"/>
+            <a:r>
+              <a:rPr lang="en-US" dirty="0" smtClean="0"/>
+              <a:t>In R: q() to kill an R session. </a:t>
+            </a:r>
+          </a:p>
+          <a:p>
+            <a:endParaRPr lang="en-US" dirty="0"/>
+          </a:p>
+        </p:txBody>
+      </p:sp>
+    </p:spTree>
+  </p:cSld>
+  <p:clrMapOvr>
+    <a:masterClrMapping/>
+  </p:clrMapOvr>
+  <p:transition/>
+</p:sld>
+</file>
+
+<file path=ppt/slides/slide34.xml><?xml version="1.0" encoding="utf-8"?>
 <p:sld xmlns:a="http://schemas.openxmlformats.org/drawingml/2006/main" xmlns:r="http://schemas.openxmlformats.org/officeDocument/2006/relationships" xmlns:p="http://schemas.openxmlformats.org/presentationml/2006/main">
   <p:cSld>
     <p:spTree>
@@ -9138,81 +9260,6 @@
 </p:sld>
 </file>
 
-<file path=ppt/slides/slide34.xml><?xml version="1.0" encoding="utf-8"?>
-<p:sld xmlns:a="http://schemas.openxmlformats.org/drawingml/2006/main" xmlns:r="http://schemas.openxmlformats.org/officeDocument/2006/relationships" xmlns:p="http://schemas.openxmlformats.org/presentationml/2006/main">
-  <p:cSld>
-    <p:spTree>
-      <p:nvGrpSpPr>
-        <p:cNvPr id="1" name=""/>
-        <p:cNvGrpSpPr/>
-        <p:nvPr/>
-      </p:nvGrpSpPr>
-      <p:grpSpPr>
-        <a:xfrm>
-          <a:off x="0" y="0"/>
-          <a:ext cx="0" cy="0"/>
-          <a:chOff x="0" y="0"/>
-          <a:chExt cx="0" cy="0"/>
-        </a:xfrm>
-      </p:grpSpPr>
-      <p:sp>
-        <p:nvSpPr>
-          <p:cNvPr id="2" name="Title 1"/>
-          <p:cNvSpPr>
-            <a:spLocks noGrp="1"/>
-          </p:cNvSpPr>
-          <p:nvPr>
-            <p:ph type="title"/>
-          </p:nvPr>
-        </p:nvSpPr>
-        <p:spPr/>
-        <p:txBody>
-          <a:bodyPr/>
-          <a:lstStyle/>
-          <a:p>
-            <a:endParaRPr lang="en-US"/>
-          </a:p>
-        </p:txBody>
-      </p:sp>
-      <p:sp>
-        <p:nvSpPr>
-          <p:cNvPr id="3" name="Content Placeholder 2"/>
-          <p:cNvSpPr>
-            <a:spLocks noGrp="1"/>
-          </p:cNvSpPr>
-          <p:nvPr>
-            <p:ph idx="1"/>
-          </p:nvPr>
-        </p:nvSpPr>
-        <p:spPr/>
-        <p:txBody>
-          <a:bodyPr/>
-          <a:lstStyle/>
-          <a:p>
-            <a:r>
-              <a:rPr lang="en-US" dirty="0" smtClean="0"/>
-              <a:t>Run commands from A_qc.txt in your ec2 instance. </a:t>
-            </a:r>
-            <a:endParaRPr lang="en-US" dirty="0"/>
-          </a:p>
-        </p:txBody>
-      </p:sp>
-    </p:spTree>
-  </p:cSld>
-  <p:clrMapOvr>
-    <a:masterClrMapping/>
-  </p:clrMapOvr>
-  <p:transition/>
-  <p:timing>
-    <p:tnLst>
-      <p:par>
-        <p:cTn id="1" dur="indefinite" restart="never" nodeType="tmRoot"/>
-      </p:par>
-    </p:tnLst>
-  </p:timing>
-</p:sld>
-</file>
-
 <file path=ppt/slides/slide35.xml><?xml version="1.0" encoding="utf-8"?>
 <p:sld xmlns:a="http://schemas.openxmlformats.org/drawingml/2006/main" xmlns:r="http://schemas.openxmlformats.org/officeDocument/2006/relationships" xmlns:p="http://schemas.openxmlformats.org/presentationml/2006/main">
   <p:cSld>
@@ -9266,29 +9313,7 @@
           <a:p>
             <a:r>
               <a:rPr lang="en-US" dirty="0" smtClean="0"/>
-              <a:t>Subsequent files mostly contain R source.</a:t>
-            </a:r>
-          </a:p>
-          <a:p>
-            <a:r>
-              <a:rPr lang="en-US" dirty="0" smtClean="0"/>
-              <a:t>Look for comments indicating commands (primarily </a:t>
-            </a:r>
-            <a:r>
-              <a:rPr lang="en-US" dirty="0" err="1" smtClean="0"/>
-              <a:t>grep</a:t>
-            </a:r>
-            <a:r>
-              <a:rPr lang="en-US" dirty="0" smtClean="0"/>
-              <a:t>, </a:t>
-            </a:r>
-            <a:r>
-              <a:rPr lang="en-US" dirty="0" err="1" smtClean="0"/>
-              <a:t>awk</a:t>
-            </a:r>
-            <a:r>
-              <a:rPr lang="en-US" dirty="0" smtClean="0"/>
-              <a:t>, and plink commands) meant to be run at bash prompt.</a:t>
+              <a:t>Run commands from A_qc.txt in your ec2 instance. </a:t>
             </a:r>
             <a:endParaRPr lang="en-US" dirty="0"/>
           </a:p>
@@ -9311,6 +9336,103 @@
 </file>
 
 <file path=ppt/slides/slide36.xml><?xml version="1.0" encoding="utf-8"?>
+<p:sld xmlns:a="http://schemas.openxmlformats.org/drawingml/2006/main" xmlns:r="http://schemas.openxmlformats.org/officeDocument/2006/relationships" xmlns:p="http://schemas.openxmlformats.org/presentationml/2006/main">
+  <p:cSld>
+    <p:spTree>
+      <p:nvGrpSpPr>
+        <p:cNvPr id="1" name=""/>
+        <p:cNvGrpSpPr/>
+        <p:nvPr/>
+      </p:nvGrpSpPr>
+      <p:grpSpPr>
+        <a:xfrm>
+          <a:off x="0" y="0"/>
+          <a:ext cx="0" cy="0"/>
+          <a:chOff x="0" y="0"/>
+          <a:chExt cx="0" cy="0"/>
+        </a:xfrm>
+      </p:grpSpPr>
+      <p:sp>
+        <p:nvSpPr>
+          <p:cNvPr id="2" name="Title 1"/>
+          <p:cNvSpPr>
+            <a:spLocks noGrp="1"/>
+          </p:cNvSpPr>
+          <p:nvPr>
+            <p:ph type="title"/>
+          </p:nvPr>
+        </p:nvSpPr>
+        <p:spPr/>
+        <p:txBody>
+          <a:bodyPr/>
+          <a:lstStyle/>
+          <a:p>
+            <a:endParaRPr lang="en-US"/>
+          </a:p>
+        </p:txBody>
+      </p:sp>
+      <p:sp>
+        <p:nvSpPr>
+          <p:cNvPr id="3" name="Content Placeholder 2"/>
+          <p:cNvSpPr>
+            <a:spLocks noGrp="1"/>
+          </p:cNvSpPr>
+          <p:nvPr>
+            <p:ph idx="1"/>
+          </p:nvPr>
+        </p:nvSpPr>
+        <p:spPr/>
+        <p:txBody>
+          <a:bodyPr/>
+          <a:lstStyle/>
+          <a:p>
+            <a:r>
+              <a:rPr lang="en-US" dirty="0" smtClean="0"/>
+              <a:t>Subsequent files mostly contain R source.</a:t>
+            </a:r>
+          </a:p>
+          <a:p>
+            <a:r>
+              <a:rPr lang="en-US" dirty="0" smtClean="0"/>
+              <a:t>Look for comments indicating commands (primarily </a:t>
+            </a:r>
+            <a:r>
+              <a:rPr lang="en-US" dirty="0" err="1" smtClean="0"/>
+              <a:t>grep</a:t>
+            </a:r>
+            <a:r>
+              <a:rPr lang="en-US" dirty="0" smtClean="0"/>
+              <a:t>, </a:t>
+            </a:r>
+            <a:r>
+              <a:rPr lang="en-US" dirty="0" err="1" smtClean="0"/>
+              <a:t>awk</a:t>
+            </a:r>
+            <a:r>
+              <a:rPr lang="en-US" dirty="0" smtClean="0"/>
+              <a:t>, and plink commands) meant to be run at bash prompt.</a:t>
+            </a:r>
+            <a:endParaRPr lang="en-US" dirty="0"/>
+          </a:p>
+        </p:txBody>
+      </p:sp>
+    </p:spTree>
+  </p:cSld>
+  <p:clrMapOvr>
+    <a:masterClrMapping/>
+  </p:clrMapOvr>
+  <p:transition/>
+  <p:timing>
+    <p:tnLst>
+      <p:par>
+        <p:cTn id="1" dur="indefinite" restart="never" nodeType="tmRoot"/>
+      </p:par>
+    </p:tnLst>
+  </p:timing>
+</p:sld>
+</file>
+
+<file path=ppt/slides/slide37.xml><?xml version="1.0" encoding="utf-8"?>
 <p:sld xmlns:a="http://schemas.openxmlformats.org/drawingml/2006/main" xmlns:r="http://schemas.openxmlformats.org/officeDocument/2006/relationships" xmlns:p="http://schemas.openxmlformats.org/presentationml/2006/main">
   <p:cSld>
     <p:spTree>
@@ -9632,7 +9754,7 @@
 </p:sld>
 </file>
 
-<file path=ppt/slides/slide37.xml><?xml version="1.0" encoding="utf-8"?>
+<file path=ppt/slides/slide38.xml><?xml version="1.0" encoding="utf-8"?>
 <p:sld xmlns:a="http://schemas.openxmlformats.org/drawingml/2006/main" xmlns:r="http://schemas.openxmlformats.org/officeDocument/2006/relationships" xmlns:p="http://schemas.openxmlformats.org/presentationml/2006/main">
   <p:cSld>
     <p:spTree>
@@ -10301,7 +10423,7 @@
 </p:sld>
 </file>
 
-<file path=ppt/slides/slide38.xml><?xml version="1.0" encoding="utf-8"?>
+<file path=ppt/slides/slide39.xml><?xml version="1.0" encoding="utf-8"?>
 <p:sld xmlns:a="http://schemas.openxmlformats.org/drawingml/2006/main" xmlns:r="http://schemas.openxmlformats.org/officeDocument/2006/relationships" xmlns:p="http://schemas.openxmlformats.org/presentationml/2006/main">
   <p:cSld>
     <p:spTree>
@@ -10491,87 +10613,6 @@
 </p:sld>
 </file>
 
-<file path=ppt/slides/slide39.xml><?xml version="1.0" encoding="utf-8"?>
-<p:sld xmlns:a="http://schemas.openxmlformats.org/drawingml/2006/main" xmlns:r="http://schemas.openxmlformats.org/officeDocument/2006/relationships" xmlns:p="http://schemas.openxmlformats.org/presentationml/2006/main">
-  <p:cSld>
-    <p:spTree>
-      <p:nvGrpSpPr>
-        <p:cNvPr id="1" name=""/>
-        <p:cNvGrpSpPr/>
-        <p:nvPr/>
-      </p:nvGrpSpPr>
-      <p:grpSpPr>
-        <a:xfrm>
-          <a:off x="0" y="0"/>
-          <a:ext cx="0" cy="0"/>
-          <a:chOff x="0" y="0"/>
-          <a:chExt cx="0" cy="0"/>
-        </a:xfrm>
-      </p:grpSpPr>
-      <p:sp>
-        <p:nvSpPr>
-          <p:cNvPr id="3" name="Title 2"/>
-          <p:cNvSpPr>
-            <a:spLocks noGrp="1"/>
-          </p:cNvSpPr>
-          <p:nvPr>
-            <p:ph type="title"/>
-          </p:nvPr>
-        </p:nvSpPr>
-        <p:spPr/>
-        <p:txBody>
-          <a:bodyPr/>
-          <a:lstStyle/>
-          <a:p>
-            <a:endParaRPr lang="en-US"/>
-          </a:p>
-        </p:txBody>
-      </p:sp>
-      <p:sp>
-        <p:nvSpPr>
-          <p:cNvPr id="4" name="Content Placeholder 3"/>
-          <p:cNvSpPr>
-            <a:spLocks noGrp="1"/>
-          </p:cNvSpPr>
-          <p:nvPr>
-            <p:ph idx="1"/>
-          </p:nvPr>
-        </p:nvSpPr>
-        <p:spPr/>
-        <p:txBody>
-          <a:bodyPr/>
-          <a:lstStyle/>
-          <a:p>
-            <a:r>
-              <a:rPr lang="en-US" dirty="0" smtClean="0"/>
-              <a:t>Please run the C1_pgs_top_hits.R script. </a:t>
-            </a:r>
-          </a:p>
-          <a:p>
-            <a:r>
-              <a:rPr lang="en-US" dirty="0" smtClean="0"/>
-              <a:t>Aim is to understand the mechanics of what is happening as well as the substantive implications.</a:t>
-            </a:r>
-            <a:endParaRPr lang="en-US" dirty="0"/>
-          </a:p>
-        </p:txBody>
-      </p:sp>
-    </p:spTree>
-  </p:cSld>
-  <p:clrMapOvr>
-    <a:masterClrMapping/>
-  </p:clrMapOvr>
-  <p:transition/>
-  <p:timing>
-    <p:tnLst>
-      <p:par>
-        <p:cTn id="1" dur="indefinite" restart="never" nodeType="tmRoot"/>
-      </p:par>
-    </p:tnLst>
-  </p:timing>
-</p:sld>
-</file>
-
 <file path=ppt/slides/slide4.xml><?xml version="1.0" encoding="utf-8"?>
 <p:sld xmlns:a="http://schemas.openxmlformats.org/drawingml/2006/main" xmlns:r="http://schemas.openxmlformats.org/officeDocument/2006/relationships" xmlns:p="http://schemas.openxmlformats.org/presentationml/2006/main">
   <p:cSld>
@@ -10695,7 +10736,7 @@
     </p:spTree>
     <p:extLst>
       <p:ext uri="{BB962C8B-B14F-4D97-AF65-F5344CB8AC3E}">
-        <p14:creationId xmlns="" xmlns:p14="http://schemas.microsoft.com/office/powerpoint/2010/main" val="150574176"/>
+        <p14:creationId xmlns:p14="http://schemas.microsoft.com/office/powerpoint/2010/main" xmlns="" val="150574176"/>
       </p:ext>
     </p:extLst>
   </p:cSld>
@@ -10732,6 +10773,87 @@
       </p:grpSpPr>
       <p:sp>
         <p:nvSpPr>
+          <p:cNvPr id="3" name="Title 2"/>
+          <p:cNvSpPr>
+            <a:spLocks noGrp="1"/>
+          </p:cNvSpPr>
+          <p:nvPr>
+            <p:ph type="title"/>
+          </p:nvPr>
+        </p:nvSpPr>
+        <p:spPr/>
+        <p:txBody>
+          <a:bodyPr/>
+          <a:lstStyle/>
+          <a:p>
+            <a:endParaRPr lang="en-US"/>
+          </a:p>
+        </p:txBody>
+      </p:sp>
+      <p:sp>
+        <p:nvSpPr>
+          <p:cNvPr id="4" name="Content Placeholder 3"/>
+          <p:cNvSpPr>
+            <a:spLocks noGrp="1"/>
+          </p:cNvSpPr>
+          <p:nvPr>
+            <p:ph idx="1"/>
+          </p:nvPr>
+        </p:nvSpPr>
+        <p:spPr/>
+        <p:txBody>
+          <a:bodyPr/>
+          <a:lstStyle/>
+          <a:p>
+            <a:r>
+              <a:rPr lang="en-US" dirty="0" smtClean="0"/>
+              <a:t>Please run the C1_pgs_top_hits.R script. </a:t>
+            </a:r>
+          </a:p>
+          <a:p>
+            <a:r>
+              <a:rPr lang="en-US" dirty="0" smtClean="0"/>
+              <a:t>Aim is to understand the mechanics of what is happening as well as the substantive implications.</a:t>
+            </a:r>
+            <a:endParaRPr lang="en-US" dirty="0"/>
+          </a:p>
+        </p:txBody>
+      </p:sp>
+    </p:spTree>
+  </p:cSld>
+  <p:clrMapOvr>
+    <a:masterClrMapping/>
+  </p:clrMapOvr>
+  <p:transition/>
+  <p:timing>
+    <p:tnLst>
+      <p:par>
+        <p:cTn id="1" dur="indefinite" restart="never" nodeType="tmRoot"/>
+      </p:par>
+    </p:tnLst>
+  </p:timing>
+</p:sld>
+</file>
+
+<file path=ppt/slides/slide41.xml><?xml version="1.0" encoding="utf-8"?>
+<p:sld xmlns:a="http://schemas.openxmlformats.org/drawingml/2006/main" xmlns:r="http://schemas.openxmlformats.org/officeDocument/2006/relationships" xmlns:p="http://schemas.openxmlformats.org/presentationml/2006/main">
+  <p:cSld>
+    <p:spTree>
+      <p:nvGrpSpPr>
+        <p:cNvPr id="1" name=""/>
+        <p:cNvGrpSpPr/>
+        <p:nvPr/>
+      </p:nvGrpSpPr>
+      <p:grpSpPr>
+        <a:xfrm>
+          <a:off x="0" y="0"/>
+          <a:ext cx="0" cy="0"/>
+          <a:chOff x="0" y="0"/>
+          <a:chExt cx="0" cy="0"/>
+        </a:xfrm>
+      </p:grpSpPr>
+      <p:sp>
+        <p:nvSpPr>
           <p:cNvPr id="2" name="Title 1"/>
           <p:cNvSpPr>
             <a:spLocks noGrp="1"/>
@@ -10792,7 +10914,7 @@
     </p:spTree>
     <p:extLst>
       <p:ext uri="{BB962C8B-B14F-4D97-AF65-F5344CB8AC3E}">
-        <p14:creationId xmlns="" xmlns:p14="http://schemas.microsoft.com/office/powerpoint/2010/main" val="1001832346"/>
+        <p14:creationId xmlns:p14="http://schemas.microsoft.com/office/powerpoint/2010/main" xmlns="" val="1001832346"/>
       </p:ext>
     </p:extLst>
   </p:cSld>
@@ -10810,7 +10932,7 @@
 </p:sld>
 </file>
 
-<file path=ppt/slides/slide41.xml><?xml version="1.0" encoding="utf-8"?>
+<file path=ppt/slides/slide42.xml><?xml version="1.0" encoding="utf-8"?>
 <p:sld xmlns:a="http://schemas.openxmlformats.org/drawingml/2006/main" xmlns:r="http://schemas.openxmlformats.org/officeDocument/2006/relationships" xmlns:p="http://schemas.openxmlformats.org/presentationml/2006/main">
   <p:cSld>
     <p:spTree>
@@ -10947,7 +11069,7 @@
 </p:sld>
 </file>
 
-<file path=ppt/slides/slide42.xml><?xml version="1.0" encoding="utf-8"?>
+<file path=ppt/slides/slide43.xml><?xml version="1.0" encoding="utf-8"?>
 <p:sld xmlns:a="http://schemas.openxmlformats.org/drawingml/2006/main" xmlns:r="http://schemas.openxmlformats.org/officeDocument/2006/relationships" xmlns:p="http://schemas.openxmlformats.org/presentationml/2006/main">
   <p:cSld>
     <p:spTree>
@@ -11056,7 +11178,7 @@
 </p:sld>
 </file>
 
-<file path=ppt/slides/slide43.xml><?xml version="1.0" encoding="utf-8"?>
+<file path=ppt/slides/slide44.xml><?xml version="1.0" encoding="utf-8"?>
 <p:sld xmlns:a="http://schemas.openxmlformats.org/drawingml/2006/main" xmlns:r="http://schemas.openxmlformats.org/officeDocument/2006/relationships" xmlns:p="http://schemas.openxmlformats.org/presentationml/2006/main">
   <p:cSld>
     <p:spTree>
@@ -11273,7 +11395,7 @@
 </p:sld>
 </file>
 
-<file path=ppt/slides/slide44.xml><?xml version="1.0" encoding="utf-8"?>
+<file path=ppt/slides/slide45.xml><?xml version="1.0" encoding="utf-8"?>
 <p:sld xmlns:a="http://schemas.openxmlformats.org/drawingml/2006/main" xmlns:r="http://schemas.openxmlformats.org/officeDocument/2006/relationships" xmlns:p="http://schemas.openxmlformats.org/presentationml/2006/main">
   <p:cSld>
     <p:spTree>
@@ -11413,7 +11535,7 @@
 </p:sld>
 </file>
 
-<file path=ppt/slides/slide45.xml><?xml version="1.0" encoding="utf-8"?>
+<file path=ppt/slides/slide46.xml><?xml version="1.0" encoding="utf-8"?>
 <p:sld xmlns:a="http://schemas.openxmlformats.org/drawingml/2006/main" xmlns:r="http://schemas.openxmlformats.org/officeDocument/2006/relationships" xmlns:p="http://schemas.openxmlformats.org/presentationml/2006/main">
   <p:cSld>
     <p:spTree>
@@ -11642,7 +11764,7 @@
 </p:sld>
 </file>
 
-<file path=ppt/slides/slide46.xml><?xml version="1.0" encoding="utf-8"?>
+<file path=ppt/slides/slide47.xml><?xml version="1.0" encoding="utf-8"?>
 <p:sld xmlns:a="http://schemas.openxmlformats.org/drawingml/2006/main" xmlns:r="http://schemas.openxmlformats.org/officeDocument/2006/relationships" xmlns:p="http://schemas.openxmlformats.org/presentationml/2006/main">
   <p:cSld>
     <p:spTree>
@@ -12039,7 +12161,7 @@
 </p:sld>
 </file>
 
-<file path=ppt/slides/slide47.xml><?xml version="1.0" encoding="utf-8"?>
+<file path=ppt/slides/slide48.xml><?xml version="1.0" encoding="utf-8"?>
 <p:sld xmlns:a="http://schemas.openxmlformats.org/drawingml/2006/main" xmlns:r="http://schemas.openxmlformats.org/officeDocument/2006/relationships" xmlns:p="http://schemas.openxmlformats.org/presentationml/2006/main">
   <p:cSld>
     <p:spTree>
@@ -12146,7 +12268,7 @@
 </p:sld>
 </file>
 
-<file path=ppt/slides/slide48.xml><?xml version="1.0" encoding="utf-8"?>
+<file path=ppt/slides/slide49.xml><?xml version="1.0" encoding="utf-8"?>
 <p:sld xmlns:a="http://schemas.openxmlformats.org/drawingml/2006/main" xmlns:r="http://schemas.openxmlformats.org/officeDocument/2006/relationships" xmlns:p="http://schemas.openxmlformats.org/presentationml/2006/main">
   <p:cSld>
     <p:spTree>
@@ -12555,81 +12677,6 @@
 </p:sld>
 </file>
 
-<file path=ppt/slides/slide49.xml><?xml version="1.0" encoding="utf-8"?>
-<p:sld xmlns:a="http://schemas.openxmlformats.org/drawingml/2006/main" xmlns:r="http://schemas.openxmlformats.org/officeDocument/2006/relationships" xmlns:p="http://schemas.openxmlformats.org/presentationml/2006/main">
-  <p:cSld>
-    <p:spTree>
-      <p:nvGrpSpPr>
-        <p:cNvPr id="1" name=""/>
-        <p:cNvGrpSpPr/>
-        <p:nvPr/>
-      </p:nvGrpSpPr>
-      <p:grpSpPr>
-        <a:xfrm>
-          <a:off x="0" y="0"/>
-          <a:ext cx="0" cy="0"/>
-          <a:chOff x="0" y="0"/>
-          <a:chExt cx="0" cy="0"/>
-        </a:xfrm>
-      </p:grpSpPr>
-      <p:sp>
-        <p:nvSpPr>
-          <p:cNvPr id="3" name="Title 2"/>
-          <p:cNvSpPr>
-            <a:spLocks noGrp="1"/>
-          </p:cNvSpPr>
-          <p:nvPr>
-            <p:ph type="title"/>
-          </p:nvPr>
-        </p:nvSpPr>
-        <p:spPr/>
-        <p:txBody>
-          <a:bodyPr/>
-          <a:lstStyle/>
-          <a:p>
-            <a:endParaRPr lang="en-US"/>
-          </a:p>
-        </p:txBody>
-      </p:sp>
-      <p:sp>
-        <p:nvSpPr>
-          <p:cNvPr id="4" name="Content Placeholder 3"/>
-          <p:cNvSpPr>
-            <a:spLocks noGrp="1"/>
-          </p:cNvSpPr>
-          <p:nvPr>
-            <p:ph idx="1"/>
-          </p:nvPr>
-        </p:nvSpPr>
-        <p:spPr/>
-        <p:txBody>
-          <a:bodyPr/>
-          <a:lstStyle/>
-          <a:p>
-            <a:r>
-              <a:rPr lang="en-US" dirty="0" smtClean="0"/>
-              <a:t>Please run the C2 code.</a:t>
-            </a:r>
-            <a:endParaRPr lang="en-US" dirty="0"/>
-          </a:p>
-        </p:txBody>
-      </p:sp>
-    </p:spTree>
-  </p:cSld>
-  <p:clrMapOvr>
-    <a:masterClrMapping/>
-  </p:clrMapOvr>
-  <p:transition/>
-  <p:timing>
-    <p:tnLst>
-      <p:par>
-        <p:cTn id="1" dur="indefinite" restart="never" nodeType="tmRoot"/>
-      </p:par>
-    </p:tnLst>
-  </p:timing>
-</p:sld>
-</file>
-
 <file path=ppt/slides/slide5.xml><?xml version="1.0" encoding="utf-8"?>
 <p:sld xmlns:a="http://schemas.openxmlformats.org/drawingml/2006/main" xmlns:r="http://schemas.openxmlformats.org/officeDocument/2006/relationships" xmlns:p="http://schemas.openxmlformats.org/presentationml/2006/main">
   <p:cSld>
@@ -12709,7 +12756,7 @@
     </p:spTree>
     <p:extLst>
       <p:ext uri="{BB962C8B-B14F-4D97-AF65-F5344CB8AC3E}">
-        <p14:creationId xmlns="" xmlns:p14="http://schemas.microsoft.com/office/powerpoint/2010/main" val="1158551441"/>
+        <p14:creationId xmlns:p14="http://schemas.microsoft.com/office/powerpoint/2010/main" xmlns="" val="1158551441"/>
       </p:ext>
     </p:extLst>
   </p:cSld>
@@ -12728,6 +12775,81 @@
 </file>
 
 <file path=ppt/slides/slide50.xml><?xml version="1.0" encoding="utf-8"?>
+<p:sld xmlns:a="http://schemas.openxmlformats.org/drawingml/2006/main" xmlns:r="http://schemas.openxmlformats.org/officeDocument/2006/relationships" xmlns:p="http://schemas.openxmlformats.org/presentationml/2006/main">
+  <p:cSld>
+    <p:spTree>
+      <p:nvGrpSpPr>
+        <p:cNvPr id="1" name=""/>
+        <p:cNvGrpSpPr/>
+        <p:nvPr/>
+      </p:nvGrpSpPr>
+      <p:grpSpPr>
+        <a:xfrm>
+          <a:off x="0" y="0"/>
+          <a:ext cx="0" cy="0"/>
+          <a:chOff x="0" y="0"/>
+          <a:chExt cx="0" cy="0"/>
+        </a:xfrm>
+      </p:grpSpPr>
+      <p:sp>
+        <p:nvSpPr>
+          <p:cNvPr id="3" name="Title 2"/>
+          <p:cNvSpPr>
+            <a:spLocks noGrp="1"/>
+          </p:cNvSpPr>
+          <p:nvPr>
+            <p:ph type="title"/>
+          </p:nvPr>
+        </p:nvSpPr>
+        <p:spPr/>
+        <p:txBody>
+          <a:bodyPr/>
+          <a:lstStyle/>
+          <a:p>
+            <a:endParaRPr lang="en-US"/>
+          </a:p>
+        </p:txBody>
+      </p:sp>
+      <p:sp>
+        <p:nvSpPr>
+          <p:cNvPr id="4" name="Content Placeholder 3"/>
+          <p:cNvSpPr>
+            <a:spLocks noGrp="1"/>
+          </p:cNvSpPr>
+          <p:nvPr>
+            <p:ph idx="1"/>
+          </p:nvPr>
+        </p:nvSpPr>
+        <p:spPr/>
+        <p:txBody>
+          <a:bodyPr/>
+          <a:lstStyle/>
+          <a:p>
+            <a:r>
+              <a:rPr lang="en-US" dirty="0" smtClean="0"/>
+              <a:t>Please run the C2 code.</a:t>
+            </a:r>
+            <a:endParaRPr lang="en-US" dirty="0"/>
+          </a:p>
+        </p:txBody>
+      </p:sp>
+    </p:spTree>
+  </p:cSld>
+  <p:clrMapOvr>
+    <a:masterClrMapping/>
+  </p:clrMapOvr>
+  <p:transition/>
+  <p:timing>
+    <p:tnLst>
+      <p:par>
+        <p:cTn id="1" dur="indefinite" restart="never" nodeType="tmRoot"/>
+      </p:par>
+    </p:tnLst>
+  </p:timing>
+</p:sld>
+</file>
+
+<file path=ppt/slides/slide51.xml><?xml version="1.0" encoding="utf-8"?>
 <p:sld xmlns:a="http://schemas.openxmlformats.org/drawingml/2006/main" xmlns:r="http://schemas.openxmlformats.org/officeDocument/2006/relationships" xmlns:p="http://schemas.openxmlformats.org/presentationml/2006/main">
   <p:cSld>
     <p:spTree>
@@ -12838,7 +12960,7 @@
 </p:sld>
 </file>
 
-<file path=ppt/slides/slide51.xml><?xml version="1.0" encoding="utf-8"?>
+<file path=ppt/slides/slide52.xml><?xml version="1.0" encoding="utf-8"?>
 <p:sld xmlns:a="http://schemas.openxmlformats.org/drawingml/2006/main" xmlns:r="http://schemas.openxmlformats.org/officeDocument/2006/relationships" xmlns:p="http://schemas.openxmlformats.org/presentationml/2006/main">
   <p:cSld>
     <p:spTree>
@@ -13235,81 +13357,6 @@
 </p:sld>
 </file>
 
-<file path=ppt/slides/slide52.xml><?xml version="1.0" encoding="utf-8"?>
-<p:sld xmlns:a="http://schemas.openxmlformats.org/drawingml/2006/main" xmlns:r="http://schemas.openxmlformats.org/officeDocument/2006/relationships" xmlns:p="http://schemas.openxmlformats.org/presentationml/2006/main">
-  <p:cSld>
-    <p:spTree>
-      <p:nvGrpSpPr>
-        <p:cNvPr id="1" name=""/>
-        <p:cNvGrpSpPr/>
-        <p:nvPr/>
-      </p:nvGrpSpPr>
-      <p:grpSpPr>
-        <a:xfrm>
-          <a:off x="0" y="0"/>
-          <a:ext cx="0" cy="0"/>
-          <a:chOff x="0" y="0"/>
-          <a:chExt cx="0" cy="0"/>
-        </a:xfrm>
-      </p:grpSpPr>
-      <p:sp>
-        <p:nvSpPr>
-          <p:cNvPr id="2" name="Title 1"/>
-          <p:cNvSpPr>
-            <a:spLocks noGrp="1"/>
-          </p:cNvSpPr>
-          <p:nvPr>
-            <p:ph type="title"/>
-          </p:nvPr>
-        </p:nvSpPr>
-        <p:spPr/>
-        <p:txBody>
-          <a:bodyPr/>
-          <a:lstStyle/>
-          <a:p>
-            <a:endParaRPr lang="en-US" dirty="0"/>
-          </a:p>
-        </p:txBody>
-      </p:sp>
-      <p:sp>
-        <p:nvSpPr>
-          <p:cNvPr id="3" name="Content Placeholder 2"/>
-          <p:cNvSpPr>
-            <a:spLocks noGrp="1"/>
-          </p:cNvSpPr>
-          <p:nvPr>
-            <p:ph idx="1"/>
-          </p:nvPr>
-        </p:nvSpPr>
-        <p:spPr/>
-        <p:txBody>
-          <a:bodyPr/>
-          <a:lstStyle/>
-          <a:p>
-            <a:r>
-              <a:rPr lang="en-US" dirty="0" smtClean="0"/>
-              <a:t>Please run the code in C3.</a:t>
-            </a:r>
-            <a:endParaRPr lang="en-US" dirty="0"/>
-          </a:p>
-        </p:txBody>
-      </p:sp>
-    </p:spTree>
-  </p:cSld>
-  <p:clrMapOvr>
-    <a:masterClrMapping/>
-  </p:clrMapOvr>
-  <p:transition/>
-  <p:timing>
-    <p:tnLst>
-      <p:par>
-        <p:cTn id="1" dur="indefinite" restart="never" nodeType="tmRoot"/>
-      </p:par>
-    </p:tnLst>
-  </p:timing>
-</p:sld>
-</file>
-
 <file path=ppt/slides/slide53.xml><?xml version="1.0" encoding="utf-8"?>
 <p:sld xmlns:a="http://schemas.openxmlformats.org/drawingml/2006/main" xmlns:r="http://schemas.openxmlformats.org/officeDocument/2006/relationships" xmlns:p="http://schemas.openxmlformats.org/presentationml/2006/main">
   <p:cSld>
@@ -13342,10 +13389,6 @@
           <a:bodyPr/>
           <a:lstStyle/>
           <a:p>
-            <a:r>
-              <a:rPr lang="en-US" dirty="0" err="1" smtClean="0"/>
-              <a:t>D_all.R</a:t>
-            </a:r>
             <a:endParaRPr lang="en-US" dirty="0"/>
           </a:p>
         </p:txBody>
@@ -13367,91 +13410,9 @@
           <a:p>
             <a:r>
               <a:rPr lang="en-US" dirty="0" smtClean="0"/>
-              <a:t>This contains source to put all results together. </a:t>
+              <a:t>Please run the code in C3.</a:t>
             </a:r>
             <a:endParaRPr lang="en-US" dirty="0"/>
-          </a:p>
-        </p:txBody>
-      </p:sp>
-      <p:pic>
-        <p:nvPicPr>
-          <p:cNvPr id="11266" name="Picture 2"/>
-          <p:cNvPicPr>
-            <a:picLocks noChangeAspect="1" noChangeArrowheads="1"/>
-          </p:cNvPicPr>
-          <p:nvPr/>
-        </p:nvPicPr>
-        <p:blipFill>
-          <a:blip r:embed="rId2" cstate="print"/>
-          <a:srcRect/>
-          <a:stretch>
-            <a:fillRect/>
-          </a:stretch>
-        </p:blipFill>
-        <p:spPr bwMode="auto">
-          <a:xfrm>
-            <a:off x="762000" y="2895600"/>
-            <a:ext cx="7229475" cy="3105150"/>
-          </a:xfrm>
-          <a:prstGeom prst="rect">
-            <a:avLst/>
-          </a:prstGeom>
-          <a:noFill/>
-          <a:ln w="9525">
-            <a:noFill/>
-            <a:miter lim="800000"/>
-            <a:headEnd/>
-            <a:tailEnd/>
-          </a:ln>
-        </p:spPr>
-      </p:pic>
-      <p:sp>
-        <p:nvSpPr>
-          <p:cNvPr id="5" name="Oval 4"/>
-          <p:cNvSpPr/>
-          <p:nvPr/>
-        </p:nvSpPr>
-        <p:spPr>
-          <a:xfrm>
-            <a:off x="5791200" y="5562600"/>
-            <a:ext cx="1143000" cy="457200"/>
-          </a:xfrm>
-          <a:prstGeom prst="ellipse">
-            <a:avLst/>
-          </a:prstGeom>
-          <a:noFill/>
-          <a:ln w="28575">
-            <a:solidFill>
-              <a:srgbClr val="FF0000"/>
-            </a:solidFill>
-          </a:ln>
-        </p:spPr>
-        <p:style>
-          <a:lnRef idx="2">
-            <a:schemeClr val="accent1">
-              <a:shade val="50000"/>
-            </a:schemeClr>
-          </a:lnRef>
-          <a:fillRef idx="1">
-            <a:schemeClr val="accent1"/>
-          </a:fillRef>
-          <a:effectRef idx="0">
-            <a:schemeClr val="accent1"/>
-          </a:effectRef>
-          <a:fontRef idx="minor">
-            <a:schemeClr val="lt1"/>
-          </a:fontRef>
-        </p:style>
-        <p:txBody>
-          <a:bodyPr rtlCol="0" anchor="ctr"/>
-          <a:lstStyle/>
-          <a:p>
-            <a:pPr algn="ctr"/>
-            <a:endParaRPr lang="en-US" dirty="0">
-              <a:solidFill>
-                <a:srgbClr val="FF0000"/>
-              </a:solidFill>
-            </a:endParaRPr>
           </a:p>
         </p:txBody>
       </p:sp>
@@ -13504,6 +13465,167 @@
           <a:lstStyle/>
           <a:p>
             <a:r>
+              <a:rPr lang="en-US" dirty="0" err="1" smtClean="0"/>
+              <a:t>D_all.R</a:t>
+            </a:r>
+            <a:endParaRPr lang="en-US" dirty="0"/>
+          </a:p>
+        </p:txBody>
+      </p:sp>
+      <p:sp>
+        <p:nvSpPr>
+          <p:cNvPr id="3" name="Content Placeholder 2"/>
+          <p:cNvSpPr>
+            <a:spLocks noGrp="1"/>
+          </p:cNvSpPr>
+          <p:nvPr>
+            <p:ph idx="1"/>
+          </p:nvPr>
+        </p:nvSpPr>
+        <p:spPr/>
+        <p:txBody>
+          <a:bodyPr/>
+          <a:lstStyle/>
+          <a:p>
+            <a:r>
+              <a:rPr lang="en-US" dirty="0" smtClean="0"/>
+              <a:t>This contains source to put all results together. </a:t>
+            </a:r>
+            <a:endParaRPr lang="en-US" dirty="0"/>
+          </a:p>
+        </p:txBody>
+      </p:sp>
+      <p:pic>
+        <p:nvPicPr>
+          <p:cNvPr id="11266" name="Picture 2"/>
+          <p:cNvPicPr>
+            <a:picLocks noChangeAspect="1" noChangeArrowheads="1"/>
+          </p:cNvPicPr>
+          <p:nvPr/>
+        </p:nvPicPr>
+        <p:blipFill>
+          <a:blip r:embed="rId2" cstate="print"/>
+          <a:srcRect/>
+          <a:stretch>
+            <a:fillRect/>
+          </a:stretch>
+        </p:blipFill>
+        <p:spPr bwMode="auto">
+          <a:xfrm>
+            <a:off x="762000" y="2895600"/>
+            <a:ext cx="7229475" cy="3105150"/>
+          </a:xfrm>
+          <a:prstGeom prst="rect">
+            <a:avLst/>
+          </a:prstGeom>
+          <a:noFill/>
+          <a:ln w="9525">
+            <a:noFill/>
+            <a:miter lim="800000"/>
+            <a:headEnd/>
+            <a:tailEnd/>
+          </a:ln>
+        </p:spPr>
+      </p:pic>
+      <p:sp>
+        <p:nvSpPr>
+          <p:cNvPr id="5" name="Oval 4"/>
+          <p:cNvSpPr/>
+          <p:nvPr/>
+        </p:nvSpPr>
+        <p:spPr>
+          <a:xfrm>
+            <a:off x="5791200" y="5562600"/>
+            <a:ext cx="1143000" cy="457200"/>
+          </a:xfrm>
+          <a:prstGeom prst="ellipse">
+            <a:avLst/>
+          </a:prstGeom>
+          <a:noFill/>
+          <a:ln w="28575">
+            <a:solidFill>
+              <a:srgbClr val="FF0000"/>
+            </a:solidFill>
+          </a:ln>
+        </p:spPr>
+        <p:style>
+          <a:lnRef idx="2">
+            <a:schemeClr val="accent1">
+              <a:shade val="50000"/>
+            </a:schemeClr>
+          </a:lnRef>
+          <a:fillRef idx="1">
+            <a:schemeClr val="accent1"/>
+          </a:fillRef>
+          <a:effectRef idx="0">
+            <a:schemeClr val="accent1"/>
+          </a:effectRef>
+          <a:fontRef idx="minor">
+            <a:schemeClr val="lt1"/>
+          </a:fontRef>
+        </p:style>
+        <p:txBody>
+          <a:bodyPr rtlCol="0" anchor="ctr"/>
+          <a:lstStyle/>
+          <a:p>
+            <a:pPr algn="ctr"/>
+            <a:endParaRPr lang="en-US" dirty="0">
+              <a:solidFill>
+                <a:srgbClr val="FF0000"/>
+              </a:solidFill>
+            </a:endParaRPr>
+          </a:p>
+        </p:txBody>
+      </p:sp>
+    </p:spTree>
+  </p:cSld>
+  <p:clrMapOvr>
+    <a:masterClrMapping/>
+  </p:clrMapOvr>
+  <p:transition/>
+  <p:timing>
+    <p:tnLst>
+      <p:par>
+        <p:cTn id="1" dur="indefinite" restart="never" nodeType="tmRoot"/>
+      </p:par>
+    </p:tnLst>
+  </p:timing>
+</p:sld>
+</file>
+
+<file path=ppt/slides/slide55.xml><?xml version="1.0" encoding="utf-8"?>
+<p:sld xmlns:a="http://schemas.openxmlformats.org/drawingml/2006/main" xmlns:r="http://schemas.openxmlformats.org/officeDocument/2006/relationships" xmlns:p="http://schemas.openxmlformats.org/presentationml/2006/main">
+  <p:cSld>
+    <p:spTree>
+      <p:nvGrpSpPr>
+        <p:cNvPr id="1" name=""/>
+        <p:cNvGrpSpPr/>
+        <p:nvPr/>
+      </p:nvGrpSpPr>
+      <p:grpSpPr>
+        <a:xfrm>
+          <a:off x="0" y="0"/>
+          <a:ext cx="0" cy="0"/>
+          <a:chOff x="0" y="0"/>
+          <a:chExt cx="0" cy="0"/>
+        </a:xfrm>
+      </p:grpSpPr>
+      <p:sp>
+        <p:nvSpPr>
+          <p:cNvPr id="2" name="Title 1"/>
+          <p:cNvSpPr>
+            <a:spLocks noGrp="1"/>
+          </p:cNvSpPr>
+          <p:nvPr>
+            <p:ph type="title"/>
+          </p:nvPr>
+        </p:nvSpPr>
+        <p:spPr/>
+        <p:txBody>
+          <a:bodyPr/>
+          <a:lstStyle/>
+          <a:p>
+            <a:r>
               <a:rPr lang="en-US" dirty="0" smtClean="0"/>
               <a:t>Caveats</a:t>
             </a:r>
@@ -13561,7 +13683,7 @@
     </p:spTree>
     <p:extLst>
       <p:ext uri="{BB962C8B-B14F-4D97-AF65-F5344CB8AC3E}">
-        <p14:creationId xmlns="" xmlns:p14="http://schemas.microsoft.com/office/powerpoint/2010/main" val="234865513"/>
+        <p14:creationId xmlns:p14="http://schemas.microsoft.com/office/powerpoint/2010/main" xmlns="" val="234865513"/>
       </p:ext>
     </p:extLst>
   </p:cSld>
@@ -13579,7 +13701,7 @@
 </p:sld>
 </file>
 
-<file path=ppt/slides/slide55.xml><?xml version="1.0" encoding="utf-8"?>
+<file path=ppt/slides/slide56.xml><?xml version="1.0" encoding="utf-8"?>
 <p:sld xmlns:a="http://schemas.openxmlformats.org/drawingml/2006/main" xmlns:r="http://schemas.openxmlformats.org/officeDocument/2006/relationships" xmlns:p="http://schemas.openxmlformats.org/presentationml/2006/main">
   <p:cSld>
     <p:spTree>
@@ -13653,93 +13775,7 @@
     </p:spTree>
     <p:extLst>
       <p:ext uri="{BB962C8B-B14F-4D97-AF65-F5344CB8AC3E}">
-        <p14:creationId xmlns="" xmlns:p14="http://schemas.microsoft.com/office/powerpoint/2010/main" val="3689434463"/>
-      </p:ext>
-    </p:extLst>
-  </p:cSld>
-  <p:clrMapOvr>
-    <a:masterClrMapping/>
-  </p:clrMapOvr>
-  <p:transition/>
-  <p:timing>
-    <p:tnLst>
-      <p:par>
-        <p:cTn id="1" dur="indefinite" restart="never" nodeType="tmRoot"/>
-      </p:par>
-    </p:tnLst>
-  </p:timing>
-</p:sld>
-</file>
-
-<file path=ppt/slides/slide56.xml><?xml version="1.0" encoding="utf-8"?>
-<p:sld xmlns:a="http://schemas.openxmlformats.org/drawingml/2006/main" xmlns:r="http://schemas.openxmlformats.org/officeDocument/2006/relationships" xmlns:p="http://schemas.openxmlformats.org/presentationml/2006/main">
-  <p:cSld>
-    <p:spTree>
-      <p:nvGrpSpPr>
-        <p:cNvPr id="1" name=""/>
-        <p:cNvGrpSpPr/>
-        <p:nvPr/>
-      </p:nvGrpSpPr>
-      <p:grpSpPr>
-        <a:xfrm>
-          <a:off x="0" y="0"/>
-          <a:ext cx="0" cy="0"/>
-          <a:chOff x="0" y="0"/>
-          <a:chExt cx="0" cy="0"/>
-        </a:xfrm>
-      </p:grpSpPr>
-      <p:sp>
-        <p:nvSpPr>
-          <p:cNvPr id="2" name="Title 1"/>
-          <p:cNvSpPr>
-            <a:spLocks noGrp="1"/>
-          </p:cNvSpPr>
-          <p:nvPr>
-            <p:ph type="title"/>
-          </p:nvPr>
-        </p:nvSpPr>
-        <p:spPr/>
-        <p:txBody>
-          <a:bodyPr/>
-          <a:lstStyle/>
-          <a:p>
-            <a:r>
-              <a:rPr lang="en-US" dirty="0" smtClean="0"/>
-              <a:t>Imputed versus genotyped</a:t>
-            </a:r>
-            <a:endParaRPr lang="en-US" dirty="0"/>
-          </a:p>
-        </p:txBody>
-      </p:sp>
-      <p:sp>
-        <p:nvSpPr>
-          <p:cNvPr id="3" name="Content Placeholder 2"/>
-          <p:cNvSpPr>
-            <a:spLocks noGrp="1"/>
-          </p:cNvSpPr>
-          <p:nvPr>
-            <p:ph idx="1"/>
-          </p:nvPr>
-        </p:nvSpPr>
-        <p:spPr/>
-        <p:txBody>
-          <a:bodyPr/>
-          <a:lstStyle/>
-          <a:p>
-            <a:r>
-              <a:rPr lang="en-US" dirty="0" smtClean="0"/>
-              <a:t>I’m not an expert on working with imputed data, but this will require some modifications to the workflow we’ve used here. </a:t>
-            </a:r>
-          </a:p>
-          <a:p>
-            <a:endParaRPr lang="en-US" dirty="0"/>
-          </a:p>
-        </p:txBody>
-      </p:sp>
-    </p:spTree>
-    <p:extLst>
-      <p:ext uri="{BB962C8B-B14F-4D97-AF65-F5344CB8AC3E}">
-        <p14:creationId xmlns="" xmlns:p14="http://schemas.microsoft.com/office/powerpoint/2010/main" val="993975238"/>
+        <p14:creationId xmlns:p14="http://schemas.microsoft.com/office/powerpoint/2010/main" xmlns="" val="3689434463"/>
       </p:ext>
     </p:extLst>
   </p:cSld>
@@ -13791,7 +13827,7 @@
           <a:p>
             <a:r>
               <a:rPr lang="en-US" dirty="0" smtClean="0"/>
-              <a:t>Getting stuff off EC2 instance</a:t>
+              <a:t>Imputed versus genotyped</a:t>
             </a:r>
             <a:endParaRPr lang="en-US" dirty="0"/>
           </a:p>
@@ -13809,131 +13845,25 @@
         </p:nvSpPr>
         <p:spPr/>
         <p:txBody>
-          <a:bodyPr>
-            <a:normAutofit fontScale="92500" lnSpcReduction="20000"/>
-          </a:bodyPr>
-          <a:lstStyle/>
-          <a:p>
-            <a:pPr marL="514350" indent="-514350">
-              <a:buFont typeface="+mj-lt"/>
-              <a:buAutoNum type="arabicPeriod"/>
-            </a:pPr>
-            <a:r>
-              <a:rPr lang="en-US" dirty="0" smtClean="0"/>
-              <a:t>Zip everything up:</a:t>
-            </a:r>
-          </a:p>
-          <a:p>
-            <a:pPr marL="914400" lvl="1" indent="-514350">
-              <a:buFont typeface="+mj-lt"/>
-              <a:buAutoNum type="arabicPeriod"/>
-            </a:pPr>
-            <a:r>
-              <a:rPr lang="en-US" dirty="0" smtClean="0"/>
-              <a:t>See end of </a:t>
-            </a:r>
-            <a:r>
-              <a:rPr lang="en-US" dirty="0" err="1" smtClean="0"/>
-              <a:t>D_all.R</a:t>
-            </a:r>
-            <a:endParaRPr lang="en-US" dirty="0" smtClean="0"/>
-          </a:p>
-          <a:p>
-            <a:pPr marL="514350" indent="-514350">
-              <a:buFont typeface="+mj-lt"/>
-              <a:buAutoNum type="arabicPeriod"/>
-            </a:pPr>
-            <a:r>
-              <a:rPr lang="en-US" dirty="0" smtClean="0"/>
-              <a:t>Secure copy (</a:t>
-            </a:r>
-            <a:r>
-              <a:rPr lang="en-US" dirty="0" err="1" smtClean="0"/>
-              <a:t>scp</a:t>
-            </a:r>
-            <a:r>
-              <a:rPr lang="en-US" dirty="0" smtClean="0"/>
-              <a:t>)</a:t>
-            </a:r>
-          </a:p>
-          <a:p>
-            <a:pPr marL="914400" lvl="1" indent="-514350">
-              <a:buFont typeface="+mj-lt"/>
-              <a:buAutoNum type="arabicPeriod"/>
-            </a:pPr>
-            <a:r>
-              <a:rPr lang="en-US" dirty="0" smtClean="0"/>
-              <a:t>Linux: </a:t>
-            </a:r>
-            <a:r>
-              <a:rPr lang="en-US" dirty="0" err="1" smtClean="0"/>
-              <a:t>scp</a:t>
-            </a:r>
-            <a:r>
-              <a:rPr lang="en-US" dirty="0" smtClean="0"/>
-              <a:t> igss.pem ec2-user@[your instance]:~/igss.zip .</a:t>
-            </a:r>
-          </a:p>
-          <a:p>
-            <a:pPr marL="914400" lvl="1" indent="-514350">
-              <a:buFont typeface="+mj-lt"/>
-              <a:buAutoNum type="arabicPeriod"/>
-            </a:pPr>
-            <a:r>
-              <a:rPr lang="en-US" dirty="0" smtClean="0"/>
-              <a:t>Windows: Use </a:t>
-            </a:r>
-            <a:r>
-              <a:rPr lang="en-US" dirty="0" err="1" smtClean="0"/>
-              <a:t>pscp</a:t>
-            </a:r>
-            <a:r>
-              <a:rPr lang="en-US" dirty="0" smtClean="0"/>
-              <a:t> (part of putty suite)</a:t>
-            </a:r>
-          </a:p>
-          <a:p>
-            <a:pPr marL="514350" indent="-514350">
-              <a:buNone/>
-            </a:pPr>
-            <a:endParaRPr lang="en-US" dirty="0" smtClean="0"/>
-          </a:p>
-          <a:p>
-            <a:pPr marL="514350" indent="-514350">
-              <a:buNone/>
-            </a:pPr>
-            <a:r>
-              <a:rPr lang="en-US" dirty="0" smtClean="0"/>
-              <a:t>NOTE: I will kill all images as of tomorrow unless instructed otherwise. </a:t>
-            </a:r>
-          </a:p>
-          <a:p>
-            <a:pPr marL="514350" indent="-514350">
-              <a:buNone/>
-            </a:pPr>
-            <a:r>
-              <a:rPr lang="en-US" dirty="0" smtClean="0"/>
-              <a:t>You should also be able to recreate things from publicly available </a:t>
-            </a:r>
-            <a:r>
-              <a:rPr lang="en-US" dirty="0" err="1" smtClean="0"/>
-              <a:t>hapmap</a:t>
-            </a:r>
-            <a:r>
-              <a:rPr lang="en-US" dirty="0" smtClean="0"/>
-              <a:t> data. </a:t>
-            </a:r>
-          </a:p>
-          <a:p>
-            <a:pPr marL="914400" lvl="1" indent="-514350">
-              <a:buFont typeface="+mj-lt"/>
-              <a:buAutoNum type="arabicPeriod"/>
-            </a:pPr>
+          <a:bodyPr/>
+          <a:lstStyle/>
+          <a:p>
+            <a:r>
+              <a:rPr lang="en-US" dirty="0" smtClean="0"/>
+              <a:t>I’m not an expert on working with imputed data, but this will require some modifications to the workflow we’ve used here. </a:t>
+            </a:r>
+          </a:p>
+          <a:p>
             <a:endParaRPr lang="en-US" dirty="0"/>
           </a:p>
         </p:txBody>
       </p:sp>
     </p:spTree>
+    <p:extLst>
+      <p:ext uri="{BB962C8B-B14F-4D97-AF65-F5344CB8AC3E}">
+        <p14:creationId xmlns:p14="http://schemas.microsoft.com/office/powerpoint/2010/main" xmlns="" val="993975238"/>
+      </p:ext>
+    </p:extLst>
   </p:cSld>
   <p:clrMapOvr>
     <a:masterClrMapping/>
@@ -13983,6 +13913,198 @@
           <a:p>
             <a:r>
               <a:rPr lang="en-US" dirty="0" smtClean="0"/>
+              <a:t>Getting stuff off EC2 instance</a:t>
+            </a:r>
+            <a:endParaRPr lang="en-US" dirty="0"/>
+          </a:p>
+        </p:txBody>
+      </p:sp>
+      <p:sp>
+        <p:nvSpPr>
+          <p:cNvPr id="3" name="Content Placeholder 2"/>
+          <p:cNvSpPr>
+            <a:spLocks noGrp="1"/>
+          </p:cNvSpPr>
+          <p:nvPr>
+            <p:ph idx="1"/>
+          </p:nvPr>
+        </p:nvSpPr>
+        <p:spPr/>
+        <p:txBody>
+          <a:bodyPr>
+            <a:normAutofit fontScale="92500" lnSpcReduction="20000"/>
+          </a:bodyPr>
+          <a:lstStyle/>
+          <a:p>
+            <a:pPr marL="514350" indent="-514350">
+              <a:buFont typeface="+mj-lt"/>
+              <a:buAutoNum type="arabicPeriod"/>
+            </a:pPr>
+            <a:r>
+              <a:rPr lang="en-US" dirty="0" smtClean="0"/>
+              <a:t>Zip everything up:</a:t>
+            </a:r>
+          </a:p>
+          <a:p>
+            <a:pPr marL="914400" lvl="1" indent="-514350">
+              <a:buFont typeface="+mj-lt"/>
+              <a:buAutoNum type="arabicPeriod"/>
+            </a:pPr>
+            <a:r>
+              <a:rPr lang="en-US" dirty="0" smtClean="0"/>
+              <a:t>See end of </a:t>
+            </a:r>
+            <a:r>
+              <a:rPr lang="en-US" dirty="0" err="1" smtClean="0"/>
+              <a:t>D_all.R</a:t>
+            </a:r>
+            <a:endParaRPr lang="en-US" dirty="0" smtClean="0"/>
+          </a:p>
+          <a:p>
+            <a:pPr marL="514350" indent="-514350">
+              <a:buFont typeface="+mj-lt"/>
+              <a:buAutoNum type="arabicPeriod"/>
+            </a:pPr>
+            <a:r>
+              <a:rPr lang="en-US" dirty="0" smtClean="0"/>
+              <a:t>Secure copy (</a:t>
+            </a:r>
+            <a:r>
+              <a:rPr lang="en-US" dirty="0" err="1" smtClean="0"/>
+              <a:t>scp</a:t>
+            </a:r>
+            <a:r>
+              <a:rPr lang="en-US" dirty="0" smtClean="0"/>
+              <a:t>)</a:t>
+            </a:r>
+          </a:p>
+          <a:p>
+            <a:pPr marL="914400" lvl="1" indent="-514350">
+              <a:buFont typeface="+mj-lt"/>
+              <a:buAutoNum type="arabicPeriod"/>
+            </a:pPr>
+            <a:r>
+              <a:rPr lang="en-US" dirty="0" smtClean="0"/>
+              <a:t>Linux: </a:t>
+            </a:r>
+            <a:r>
+              <a:rPr lang="en-US" dirty="0" err="1" smtClean="0"/>
+              <a:t>scp</a:t>
+            </a:r>
+            <a:r>
+              <a:rPr lang="en-US" dirty="0" smtClean="0"/>
+              <a:t> igss.pem ec2-user@[your instance]:~/igss.zip .</a:t>
+            </a:r>
+          </a:p>
+          <a:p>
+            <a:pPr marL="914400" lvl="1" indent="-514350">
+              <a:buFont typeface="+mj-lt"/>
+              <a:buAutoNum type="arabicPeriod"/>
+            </a:pPr>
+            <a:r>
+              <a:rPr lang="en-US" dirty="0" smtClean="0"/>
+              <a:t>Windows: Use </a:t>
+            </a:r>
+            <a:r>
+              <a:rPr lang="en-US" dirty="0" err="1" smtClean="0"/>
+              <a:t>pscp</a:t>
+            </a:r>
+            <a:r>
+              <a:rPr lang="en-US" dirty="0" smtClean="0"/>
+              <a:t> (part of putty suite)</a:t>
+            </a:r>
+          </a:p>
+          <a:p>
+            <a:pPr marL="514350" indent="-514350">
+              <a:buNone/>
+            </a:pPr>
+            <a:endParaRPr lang="en-US" dirty="0" smtClean="0"/>
+          </a:p>
+          <a:p>
+            <a:pPr marL="514350" indent="-514350">
+              <a:buNone/>
+            </a:pPr>
+            <a:r>
+              <a:rPr lang="en-US" dirty="0" smtClean="0"/>
+              <a:t>NOTE: I will kill all images as of tomorrow unless instructed otherwise. </a:t>
+            </a:r>
+          </a:p>
+          <a:p>
+            <a:pPr marL="514350" indent="-514350">
+              <a:buNone/>
+            </a:pPr>
+            <a:r>
+              <a:rPr lang="en-US" dirty="0" smtClean="0"/>
+              <a:t>You should also be able to recreate things from publicly available </a:t>
+            </a:r>
+            <a:r>
+              <a:rPr lang="en-US" dirty="0" err="1" smtClean="0"/>
+              <a:t>hapmap</a:t>
+            </a:r>
+            <a:r>
+              <a:rPr lang="en-US" dirty="0" smtClean="0"/>
+              <a:t> data. </a:t>
+            </a:r>
+          </a:p>
+          <a:p>
+            <a:pPr marL="914400" lvl="1" indent="-514350">
+              <a:buFont typeface="+mj-lt"/>
+              <a:buAutoNum type="arabicPeriod"/>
+            </a:pPr>
+            <a:endParaRPr lang="en-US" dirty="0"/>
+          </a:p>
+        </p:txBody>
+      </p:sp>
+    </p:spTree>
+  </p:cSld>
+  <p:clrMapOvr>
+    <a:masterClrMapping/>
+  </p:clrMapOvr>
+  <p:transition/>
+  <p:timing>
+    <p:tnLst>
+      <p:par>
+        <p:cTn id="1" dur="indefinite" restart="never" nodeType="tmRoot"/>
+      </p:par>
+    </p:tnLst>
+  </p:timing>
+</p:sld>
+</file>
+
+<file path=ppt/slides/slide59.xml><?xml version="1.0" encoding="utf-8"?>
+<p:sld xmlns:a="http://schemas.openxmlformats.org/drawingml/2006/main" xmlns:r="http://schemas.openxmlformats.org/officeDocument/2006/relationships" xmlns:p="http://schemas.openxmlformats.org/presentationml/2006/main">
+  <p:cSld>
+    <p:spTree>
+      <p:nvGrpSpPr>
+        <p:cNvPr id="1" name=""/>
+        <p:cNvGrpSpPr/>
+        <p:nvPr/>
+      </p:nvGrpSpPr>
+      <p:grpSpPr>
+        <a:xfrm>
+          <a:off x="0" y="0"/>
+          <a:ext cx="0" cy="0"/>
+          <a:chOff x="0" y="0"/>
+          <a:chExt cx="0" cy="0"/>
+        </a:xfrm>
+      </p:grpSpPr>
+      <p:sp>
+        <p:nvSpPr>
+          <p:cNvPr id="2" name="Title 1"/>
+          <p:cNvSpPr>
+            <a:spLocks noGrp="1"/>
+          </p:cNvSpPr>
+          <p:nvPr>
+            <p:ph type="title"/>
+          </p:nvPr>
+        </p:nvSpPr>
+        <p:spPr/>
+        <p:txBody>
+          <a:bodyPr/>
+          <a:lstStyle/>
+          <a:p>
+            <a:r>
+              <a:rPr lang="en-US" dirty="0" smtClean="0"/>
               <a:t>Additional Examples</a:t>
             </a:r>
             <a:endParaRPr lang="en-US" dirty="0"/>
@@ -14098,7 +14220,7 @@
     </p:spTree>
     <p:extLst>
       <p:ext uri="{BB962C8B-B14F-4D97-AF65-F5344CB8AC3E}">
-        <p14:creationId xmlns="" xmlns:p14="http://schemas.microsoft.com/office/powerpoint/2010/main" val="3669013510"/>
+        <p14:creationId xmlns:p14="http://schemas.microsoft.com/office/powerpoint/2010/main" xmlns="" val="3669013510"/>
       </p:ext>
     </p:extLst>
   </p:cSld>
@@ -14170,7 +14292,7 @@
           <a:blip r:embed="rId2" cstate="print">
             <a:extLst>
               <a:ext uri="{28A0092B-C50C-407E-A947-70E740481C1C}">
-                <a14:useLocalDpi xmlns="" xmlns:a14="http://schemas.microsoft.com/office/drawing/2010/main" val="0"/>
+                <a14:useLocalDpi xmlns:a14="http://schemas.microsoft.com/office/drawing/2010/main" xmlns="" val="0"/>
               </a:ext>
             </a:extLst>
           </a:blip>
@@ -14194,14 +14316,14 @@
           <a:effectLst/>
           <a:extLst>
             <a:ext uri="{909E8E84-426E-40DD-AFC4-6F175D3DCCD1}">
-              <a14:hiddenFill xmlns="" xmlns:a14="http://schemas.microsoft.com/office/drawing/2010/main">
+              <a14:hiddenFill xmlns:a14="http://schemas.microsoft.com/office/drawing/2010/main" xmlns="">
                 <a:solidFill>
                   <a:schemeClr val="accent1"/>
                 </a:solidFill>
               </a14:hiddenFill>
             </a:ext>
             <a:ext uri="{91240B29-F687-4F45-9708-019B960494DF}">
-              <a14:hiddenLine xmlns="" xmlns:a14="http://schemas.microsoft.com/office/drawing/2010/main" w="9525">
+              <a14:hiddenLine xmlns:a14="http://schemas.microsoft.com/office/drawing/2010/main" xmlns="" w="9525">
                 <a:solidFill>
                   <a:schemeClr val="tx1"/>
                 </a:solidFill>
@@ -14211,7 +14333,7 @@
               </a14:hiddenLine>
             </a:ext>
             <a:ext uri="{AF507438-7753-43E0-B8FC-AC1667EBCBE1}">
-              <a14:hiddenEffects xmlns="" xmlns:a14="http://schemas.microsoft.com/office/drawing/2010/main">
+              <a14:hiddenEffects xmlns:a14="http://schemas.microsoft.com/office/drawing/2010/main" xmlns="">
                 <a:effectLst>
                   <a:outerShdw dist="35921" dir="2700000" algn="ctr" rotWithShape="0">
                     <a:schemeClr val="bg2"/>
@@ -14327,7 +14449,7 @@
     </p:spTree>
     <p:extLst>
       <p:ext uri="{BB962C8B-B14F-4D97-AF65-F5344CB8AC3E}">
-        <p14:creationId xmlns="" xmlns:p14="http://schemas.microsoft.com/office/powerpoint/2010/main" val="1436373940"/>
+        <p14:creationId xmlns:p14="http://schemas.microsoft.com/office/powerpoint/2010/main" xmlns="" val="1436373940"/>
       </p:ext>
     </p:extLst>
   </p:cSld>
@@ -14633,7 +14755,7 @@
           <a:blip r:embed="rId2" cstate="print">
             <a:extLst>
               <a:ext uri="{28A0092B-C50C-407E-A947-70E740481C1C}">
-                <a14:useLocalDpi xmlns="" xmlns:a14="http://schemas.microsoft.com/office/drawing/2010/main" val="0"/>
+                <a14:useLocalDpi xmlns:a14="http://schemas.microsoft.com/office/drawing/2010/main" xmlns="" val="0"/>
               </a:ext>
             </a:extLst>
           </a:blip>
@@ -14657,14 +14779,14 @@
           <a:effectLst/>
           <a:extLst>
             <a:ext uri="{909E8E84-426E-40DD-AFC4-6F175D3DCCD1}">
-              <a14:hiddenFill xmlns="" xmlns:a14="http://schemas.microsoft.com/office/drawing/2010/main">
+              <a14:hiddenFill xmlns:a14="http://schemas.microsoft.com/office/drawing/2010/main" xmlns="">
                 <a:solidFill>
                   <a:schemeClr val="accent1"/>
                 </a:solidFill>
               </a14:hiddenFill>
             </a:ext>
             <a:ext uri="{91240B29-F687-4F45-9708-019B960494DF}">
-              <a14:hiddenLine xmlns="" xmlns:a14="http://schemas.microsoft.com/office/drawing/2010/main" w="9525">
+              <a14:hiddenLine xmlns:a14="http://schemas.microsoft.com/office/drawing/2010/main" xmlns="" w="9525">
                 <a:solidFill>
                   <a:schemeClr val="tx1"/>
                 </a:solidFill>
@@ -14674,7 +14796,7 @@
               </a14:hiddenLine>
             </a:ext>
             <a:ext uri="{AF507438-7753-43E0-B8FC-AC1667EBCBE1}">
-              <a14:hiddenEffects xmlns="" xmlns:a14="http://schemas.microsoft.com/office/drawing/2010/main">
+              <a14:hiddenEffects xmlns:a14="http://schemas.microsoft.com/office/drawing/2010/main" xmlns="">
                 <a:effectLst>
                   <a:outerShdw dist="35921" dir="2700000" algn="ctr" rotWithShape="0">
                     <a:schemeClr val="bg2"/>
@@ -14697,7 +14819,7 @@
           <a:blip r:embed="rId3" cstate="print">
             <a:extLst>
               <a:ext uri="{28A0092B-C50C-407E-A947-70E740481C1C}">
-                <a14:useLocalDpi xmlns="" xmlns:a14="http://schemas.microsoft.com/office/drawing/2010/main" val="0"/>
+                <a14:useLocalDpi xmlns:a14="http://schemas.microsoft.com/office/drawing/2010/main" xmlns="" val="0"/>
               </a:ext>
             </a:extLst>
           </a:blip>
@@ -14721,14 +14843,14 @@
           <a:effectLst/>
           <a:extLst>
             <a:ext uri="{909E8E84-426E-40DD-AFC4-6F175D3DCCD1}">
-              <a14:hiddenFill xmlns="" xmlns:a14="http://schemas.microsoft.com/office/drawing/2010/main">
+              <a14:hiddenFill xmlns:a14="http://schemas.microsoft.com/office/drawing/2010/main" xmlns="">
                 <a:solidFill>
                   <a:schemeClr val="accent1"/>
                 </a:solidFill>
               </a14:hiddenFill>
             </a:ext>
             <a:ext uri="{91240B29-F687-4F45-9708-019B960494DF}">
-              <a14:hiddenLine xmlns="" xmlns:a14="http://schemas.microsoft.com/office/drawing/2010/main" w="9525">
+              <a14:hiddenLine xmlns:a14="http://schemas.microsoft.com/office/drawing/2010/main" xmlns="" w="9525">
                 <a:solidFill>
                   <a:schemeClr val="tx1"/>
                 </a:solidFill>
@@ -14738,7 +14860,7 @@
               </a14:hiddenLine>
             </a:ext>
             <a:ext uri="{AF507438-7753-43E0-B8FC-AC1667EBCBE1}">
-              <a14:hiddenEffects xmlns="" xmlns:a14="http://schemas.microsoft.com/office/drawing/2010/main">
+              <a14:hiddenEffects xmlns:a14="http://schemas.microsoft.com/office/drawing/2010/main" xmlns="">
                 <a:effectLst>
                   <a:outerShdw dist="35921" dir="2700000" algn="ctr" rotWithShape="0">
                     <a:schemeClr val="bg2"/>
@@ -14752,7 +14874,7 @@
     </p:spTree>
     <p:extLst>
       <p:ext uri="{BB962C8B-B14F-4D97-AF65-F5344CB8AC3E}">
-        <p14:creationId xmlns="" xmlns:p14="http://schemas.microsoft.com/office/powerpoint/2010/main" val="1317208152"/>
+        <p14:creationId xmlns:p14="http://schemas.microsoft.com/office/powerpoint/2010/main" xmlns="" val="1317208152"/>
       </p:ext>
     </p:extLst>
   </p:cSld>
@@ -14851,7 +14973,7 @@
           <a:blip r:embed="rId2" cstate="print">
             <a:extLst>
               <a:ext uri="{28A0092B-C50C-407E-A947-70E740481C1C}">
-                <a14:useLocalDpi xmlns="" xmlns:a14="http://schemas.microsoft.com/office/drawing/2010/main" val="0"/>
+                <a14:useLocalDpi xmlns:a14="http://schemas.microsoft.com/office/drawing/2010/main" xmlns="" val="0"/>
               </a:ext>
             </a:extLst>
           </a:blip>
@@ -14875,14 +14997,14 @@
           <a:effectLst/>
           <a:extLst>
             <a:ext uri="{909E8E84-426E-40DD-AFC4-6F175D3DCCD1}">
-              <a14:hiddenFill xmlns="" xmlns:a14="http://schemas.microsoft.com/office/drawing/2010/main">
+              <a14:hiddenFill xmlns:a14="http://schemas.microsoft.com/office/drawing/2010/main" xmlns="">
                 <a:solidFill>
                   <a:schemeClr val="accent1"/>
                 </a:solidFill>
               </a14:hiddenFill>
             </a:ext>
             <a:ext uri="{91240B29-F687-4F45-9708-019B960494DF}">
-              <a14:hiddenLine xmlns="" xmlns:a14="http://schemas.microsoft.com/office/drawing/2010/main" w="9525">
+              <a14:hiddenLine xmlns:a14="http://schemas.microsoft.com/office/drawing/2010/main" xmlns="" w="9525">
                 <a:solidFill>
                   <a:schemeClr val="tx1"/>
                 </a:solidFill>
@@ -14892,7 +15014,7 @@
               </a14:hiddenLine>
             </a:ext>
             <a:ext uri="{AF507438-7753-43E0-B8FC-AC1667EBCBE1}">
-              <a14:hiddenEffects xmlns="" xmlns:a14="http://schemas.microsoft.com/office/drawing/2010/main">
+              <a14:hiddenEffects xmlns:a14="http://schemas.microsoft.com/office/drawing/2010/main" xmlns="">
                 <a:effectLst>
                   <a:outerShdw dist="35921" dir="2700000" algn="ctr" rotWithShape="0">
                     <a:schemeClr val="bg2"/>
@@ -14915,7 +15037,7 @@
           <a:blip r:embed="rId3" cstate="print">
             <a:extLst>
               <a:ext uri="{28A0092B-C50C-407E-A947-70E740481C1C}">
-                <a14:useLocalDpi xmlns="" xmlns:a14="http://schemas.microsoft.com/office/drawing/2010/main" val="0"/>
+                <a14:useLocalDpi xmlns:a14="http://schemas.microsoft.com/office/drawing/2010/main" xmlns="" val="0"/>
               </a:ext>
             </a:extLst>
           </a:blip>
@@ -14939,14 +15061,14 @@
           <a:effectLst/>
           <a:extLst>
             <a:ext uri="{909E8E84-426E-40DD-AFC4-6F175D3DCCD1}">
-              <a14:hiddenFill xmlns="" xmlns:a14="http://schemas.microsoft.com/office/drawing/2010/main">
+              <a14:hiddenFill xmlns:a14="http://schemas.microsoft.com/office/drawing/2010/main" xmlns="">
                 <a:solidFill>
                   <a:schemeClr val="accent1"/>
                 </a:solidFill>
               </a14:hiddenFill>
             </a:ext>
             <a:ext uri="{91240B29-F687-4F45-9708-019B960494DF}">
-              <a14:hiddenLine xmlns="" xmlns:a14="http://schemas.microsoft.com/office/drawing/2010/main" w="9525">
+              <a14:hiddenLine xmlns:a14="http://schemas.microsoft.com/office/drawing/2010/main" xmlns="" w="9525">
                 <a:solidFill>
                   <a:schemeClr val="tx1"/>
                 </a:solidFill>
@@ -14956,7 +15078,7 @@
               </a14:hiddenLine>
             </a:ext>
             <a:ext uri="{AF507438-7753-43E0-B8FC-AC1667EBCBE1}">
-              <a14:hiddenEffects xmlns="" xmlns:a14="http://schemas.microsoft.com/office/drawing/2010/main">
+              <a14:hiddenEffects xmlns:a14="http://schemas.microsoft.com/office/drawing/2010/main" xmlns="">
                 <a:effectLst>
                   <a:outerShdw dist="35921" dir="2700000" algn="ctr" rotWithShape="0">
                     <a:schemeClr val="bg2"/>
@@ -14970,7 +15092,7 @@
     </p:spTree>
     <p:extLst>
       <p:ext uri="{BB962C8B-B14F-4D97-AF65-F5344CB8AC3E}">
-        <p14:creationId xmlns="" xmlns:p14="http://schemas.microsoft.com/office/powerpoint/2010/main" val="483501844"/>
+        <p14:creationId xmlns:p14="http://schemas.microsoft.com/office/powerpoint/2010/main" xmlns="" val="483501844"/>
       </p:ext>
     </p:extLst>
   </p:cSld>
